--- a/MIDI Mining.pptx
+++ b/MIDI Mining.pptx
@@ -7,15 +7,17 @@
   <p:sldIdLst>
     <p:sldId id="256" r:id="rId2"/>
     <p:sldId id="257" r:id="rId3"/>
-    <p:sldId id="258" r:id="rId4"/>
-    <p:sldId id="259" r:id="rId5"/>
-    <p:sldId id="260" r:id="rId6"/>
-    <p:sldId id="261" r:id="rId7"/>
-    <p:sldId id="262" r:id="rId8"/>
-    <p:sldId id="263" r:id="rId9"/>
-    <p:sldId id="264" r:id="rId10"/>
-    <p:sldId id="265" r:id="rId11"/>
-    <p:sldId id="266" r:id="rId12"/>
+    <p:sldId id="267" r:id="rId4"/>
+    <p:sldId id="270" r:id="rId5"/>
+    <p:sldId id="259" r:id="rId6"/>
+    <p:sldId id="260" r:id="rId7"/>
+    <p:sldId id="261" r:id="rId8"/>
+    <p:sldId id="262" r:id="rId9"/>
+    <p:sldId id="263" r:id="rId10"/>
+    <p:sldId id="264" r:id="rId11"/>
+    <p:sldId id="265" r:id="rId12"/>
+    <p:sldId id="266" r:id="rId13"/>
+    <p:sldId id="269" r:id="rId14"/>
   </p:sldIdLst>
   <p:sldSz cx="12192000" cy="6858000"/>
   <p:notesSz cx="6858000" cy="9144000"/>
@@ -114,7 +116,874 @@
       </a:defRPr>
     </a:lvl9pPr>
   </p:defaultTextStyle>
+  <p:extLst>
+    <p:ext uri="{EFAFB233-063F-42B5-8137-9DF3F51BA10A}">
+      <p15:sldGuideLst xmlns:p15="http://schemas.microsoft.com/office/powerpoint/2012/main"/>
+    </p:ext>
+  </p:extLst>
 </p:presentation>
+</file>
+
+<file path=ppt/revisionInfo.xml><?xml version="1.0" encoding="utf-8"?>
+<p1510:revInfo xmlns:a="http://schemas.openxmlformats.org/drawingml/2006/main" xmlns:r="http://schemas.openxmlformats.org/officeDocument/2006/relationships" xmlns:p1510="http://schemas.microsoft.com/office/powerpoint/2015/10/main">
+  <p1510:revLst>
+    <p1510:client id="{3237DADD-DD00-4A27-888E-38443FCAA999}" v="341" dt="2022-01-19T16:35:06.462"/>
+  </p1510:revLst>
+</p1510:revInfo>
+</file>
+
+<file path=ppt/changesInfos/changesInfo1.xml><?xml version="1.0" encoding="utf-8"?>
+<pc:chgInfo xmlns:a="http://schemas.openxmlformats.org/drawingml/2006/main" xmlns:r="http://schemas.openxmlformats.org/officeDocument/2006/relationships" xmlns:ac="http://schemas.microsoft.com/office/drawing/2013/main/command" xmlns:pc="http://schemas.microsoft.com/office/powerpoint/2013/main/command">
+  <pc:docChgLst>
+    <pc:chgData name="Florian Abraham" userId="80f79a4070e17801" providerId="LiveId" clId="{3237DADD-DD00-4A27-888E-38443FCAA999}"/>
+    <pc:docChg chg="undo custSel addSld delSld modSld sldOrd">
+      <pc:chgData name="Florian Abraham" userId="80f79a4070e17801" providerId="LiveId" clId="{3237DADD-DD00-4A27-888E-38443FCAA999}" dt="2022-01-19T16:36:15.405" v="696" actId="120"/>
+      <pc:docMkLst>
+        <pc:docMk/>
+      </pc:docMkLst>
+      <pc:sldChg chg="addSp delSp modSp mod modMedia setBg addAnim delAnim setClrOvrMap delDesignElem">
+        <pc:chgData name="Florian Abraham" userId="80f79a4070e17801" providerId="LiveId" clId="{3237DADD-DD00-4A27-888E-38443FCAA999}" dt="2022-01-19T16:35:06.462" v="686"/>
+        <pc:sldMkLst>
+          <pc:docMk/>
+          <pc:sldMk cId="3956444697" sldId="256"/>
+        </pc:sldMkLst>
+        <pc:spChg chg="mod">
+          <ac:chgData name="Florian Abraham" userId="80f79a4070e17801" providerId="LiveId" clId="{3237DADD-DD00-4A27-888E-38443FCAA999}" dt="2022-01-19T09:26:27.295" v="20" actId="26606"/>
+          <ac:spMkLst>
+            <pc:docMk/>
+            <pc:sldMk cId="3956444697" sldId="256"/>
+            <ac:spMk id="2" creationId="{A80C63CD-E596-4C34-80CB-E29FEE5410EF}"/>
+          </ac:spMkLst>
+        </pc:spChg>
+        <pc:spChg chg="mod">
+          <ac:chgData name="Florian Abraham" userId="80f79a4070e17801" providerId="LiveId" clId="{3237DADD-DD00-4A27-888E-38443FCAA999}" dt="2022-01-19T09:26:27.295" v="20" actId="26606"/>
+          <ac:spMkLst>
+            <pc:docMk/>
+            <pc:sldMk cId="3956444697" sldId="256"/>
+            <ac:spMk id="3" creationId="{2DAD16C1-8AB5-45A9-9F47-B85DE73559A8}"/>
+          </ac:spMkLst>
+        </pc:spChg>
+        <pc:spChg chg="add del">
+          <ac:chgData name="Florian Abraham" userId="80f79a4070e17801" providerId="LiveId" clId="{3237DADD-DD00-4A27-888E-38443FCAA999}" dt="2022-01-19T09:26:27.295" v="20" actId="26606"/>
+          <ac:spMkLst>
+            <pc:docMk/>
+            <pc:sldMk cId="3956444697" sldId="256"/>
+            <ac:spMk id="8" creationId="{3677BAFB-3BD3-41BB-9107-FAE224AE21C4}"/>
+          </ac:spMkLst>
+        </pc:spChg>
+        <pc:spChg chg="add del">
+          <ac:chgData name="Florian Abraham" userId="80f79a4070e17801" providerId="LiveId" clId="{3237DADD-DD00-4A27-888E-38443FCAA999}" dt="2022-01-19T09:26:27.295" v="20" actId="26606"/>
+          <ac:spMkLst>
+            <pc:docMk/>
+            <pc:sldMk cId="3956444697" sldId="256"/>
+            <ac:spMk id="10" creationId="{E6823A9B-C188-42D4-847C-3AD928DB145C}"/>
+          </ac:spMkLst>
+        </pc:spChg>
+        <pc:spChg chg="add del">
+          <ac:chgData name="Florian Abraham" userId="80f79a4070e17801" providerId="LiveId" clId="{3237DADD-DD00-4A27-888E-38443FCAA999}" dt="2022-01-19T09:26:27.295" v="20" actId="26606"/>
+          <ac:spMkLst>
+            <pc:docMk/>
+            <pc:sldMk cId="3956444697" sldId="256"/>
+            <ac:spMk id="12" creationId="{34B557F3-1A0C-4749-A6DB-EAC082DF390B}"/>
+          </ac:spMkLst>
+        </pc:spChg>
+        <pc:spChg chg="add del">
+          <ac:chgData name="Florian Abraham" userId="80f79a4070e17801" providerId="LiveId" clId="{3237DADD-DD00-4A27-888E-38443FCAA999}" dt="2022-01-19T09:26:27.295" v="20" actId="26606"/>
+          <ac:spMkLst>
+            <pc:docMk/>
+            <pc:sldMk cId="3956444697" sldId="256"/>
+            <ac:spMk id="14" creationId="{55D55AA6-3751-494F-868A-DCEDC5CE82BF}"/>
+          </ac:spMkLst>
+        </pc:spChg>
+        <pc:spChg chg="add del">
+          <ac:chgData name="Florian Abraham" userId="80f79a4070e17801" providerId="LiveId" clId="{3237DADD-DD00-4A27-888E-38443FCAA999}" dt="2022-01-19T09:26:27.295" v="20" actId="26606"/>
+          <ac:spMkLst>
+            <pc:docMk/>
+            <pc:sldMk cId="3956444697" sldId="256"/>
+            <ac:spMk id="16" creationId="{4D4C00DC-4DC6-4CD2-9E31-F17E6CEBC5A6}"/>
+          </ac:spMkLst>
+        </pc:spChg>
+        <pc:spChg chg="add del">
+          <ac:chgData name="Florian Abraham" userId="80f79a4070e17801" providerId="LiveId" clId="{3237DADD-DD00-4A27-888E-38443FCAA999}" dt="2022-01-19T09:26:27.295" v="20" actId="26606"/>
+          <ac:spMkLst>
+            <pc:docMk/>
+            <pc:sldMk cId="3956444697" sldId="256"/>
+            <ac:spMk id="18" creationId="{D82AB1B2-7970-42CF-8BF5-567C69E9FFFB}"/>
+          </ac:spMkLst>
+        </pc:spChg>
+        <pc:spChg chg="add del">
+          <ac:chgData name="Florian Abraham" userId="80f79a4070e17801" providerId="LiveId" clId="{3237DADD-DD00-4A27-888E-38443FCAA999}" dt="2022-01-19T09:26:27.295" v="20" actId="26606"/>
+          <ac:spMkLst>
+            <pc:docMk/>
+            <pc:sldMk cId="3956444697" sldId="256"/>
+            <ac:spMk id="24" creationId="{C10FB9CA-E7FA-462C-B537-F1224ED1ACF4}"/>
+          </ac:spMkLst>
+        </pc:spChg>
+        <pc:spChg chg="add del">
+          <ac:chgData name="Florian Abraham" userId="80f79a4070e17801" providerId="LiveId" clId="{3237DADD-DD00-4A27-888E-38443FCAA999}" dt="2022-01-19T09:26:27.295" v="20" actId="26606"/>
+          <ac:spMkLst>
+            <pc:docMk/>
+            <pc:sldMk cId="3956444697" sldId="256"/>
+            <ac:spMk id="26" creationId="{D8469AE7-A75B-4F37-850B-EF5974ABED2C}"/>
+          </ac:spMkLst>
+        </pc:spChg>
+        <pc:spChg chg="add del">
+          <ac:chgData name="Florian Abraham" userId="80f79a4070e17801" providerId="LiveId" clId="{3237DADD-DD00-4A27-888E-38443FCAA999}" dt="2022-01-19T16:25:33.095" v="651" actId="26606"/>
+          <ac:spMkLst>
+            <pc:docMk/>
+            <pc:sldMk cId="3956444697" sldId="256"/>
+            <ac:spMk id="87" creationId="{C1DD1A8A-57D5-4A81-AD04-532B043C5611}"/>
+          </ac:spMkLst>
+        </pc:spChg>
+        <pc:spChg chg="add del">
+          <ac:chgData name="Florian Abraham" userId="80f79a4070e17801" providerId="LiveId" clId="{3237DADD-DD00-4A27-888E-38443FCAA999}" dt="2022-01-19T16:25:33.095" v="651" actId="26606"/>
+          <ac:spMkLst>
+            <pc:docMk/>
+            <pc:sldMk cId="3956444697" sldId="256"/>
+            <ac:spMk id="89" creationId="{007891EC-4501-44ED-A8C8-B11B6DB767AB}"/>
+          </ac:spMkLst>
+        </pc:spChg>
+        <pc:spChg chg="add del">
+          <ac:chgData name="Florian Abraham" userId="80f79a4070e17801" providerId="LiveId" clId="{3237DADD-DD00-4A27-888E-38443FCAA999}" dt="2022-01-19T16:33:51.629" v="676" actId="26606"/>
+          <ac:spMkLst>
+            <pc:docMk/>
+            <pc:sldMk cId="3956444697" sldId="256"/>
+            <ac:spMk id="95" creationId="{C1DD1A8A-57D5-4A81-AD04-532B043C5611}"/>
+          </ac:spMkLst>
+        </pc:spChg>
+        <pc:spChg chg="add del">
+          <ac:chgData name="Florian Abraham" userId="80f79a4070e17801" providerId="LiveId" clId="{3237DADD-DD00-4A27-888E-38443FCAA999}" dt="2022-01-19T16:33:51.629" v="676" actId="26606"/>
+          <ac:spMkLst>
+            <pc:docMk/>
+            <pc:sldMk cId="3956444697" sldId="256"/>
+            <ac:spMk id="97" creationId="{007891EC-4501-44ED-A8C8-B11B6DB767AB}"/>
+          </ac:spMkLst>
+        </pc:spChg>
+        <pc:spChg chg="add del">
+          <ac:chgData name="Florian Abraham" userId="80f79a4070e17801" providerId="LiveId" clId="{3237DADD-DD00-4A27-888E-38443FCAA999}" dt="2022-01-19T16:35:06.462" v="686"/>
+          <ac:spMkLst>
+            <pc:docMk/>
+            <pc:sldMk cId="3956444697" sldId="256"/>
+            <ac:spMk id="103" creationId="{C1DD1A8A-57D5-4A81-AD04-532B043C5611}"/>
+          </ac:spMkLst>
+        </pc:spChg>
+        <pc:spChg chg="add del">
+          <ac:chgData name="Florian Abraham" userId="80f79a4070e17801" providerId="LiveId" clId="{3237DADD-DD00-4A27-888E-38443FCAA999}" dt="2022-01-19T16:35:06.462" v="686"/>
+          <ac:spMkLst>
+            <pc:docMk/>
+            <pc:sldMk cId="3956444697" sldId="256"/>
+            <ac:spMk id="105" creationId="{007891EC-4501-44ED-A8C8-B11B6DB767AB}"/>
+          </ac:spMkLst>
+        </pc:spChg>
+        <pc:spChg chg="add del">
+          <ac:chgData name="Florian Abraham" userId="80f79a4070e17801" providerId="LiveId" clId="{3237DADD-DD00-4A27-888E-38443FCAA999}" dt="2022-01-19T09:26:27.281" v="19" actId="26606"/>
+          <ac:spMkLst>
+            <pc:docMk/>
+            <pc:sldMk cId="3956444697" sldId="256"/>
+            <ac:spMk id="200" creationId="{C1DD1A8A-57D5-4A81-AD04-532B043C5611}"/>
+          </ac:spMkLst>
+        </pc:spChg>
+        <pc:spChg chg="add del">
+          <ac:chgData name="Florian Abraham" userId="80f79a4070e17801" providerId="LiveId" clId="{3237DADD-DD00-4A27-888E-38443FCAA999}" dt="2022-01-19T09:26:27.281" v="19" actId="26606"/>
+          <ac:spMkLst>
+            <pc:docMk/>
+            <pc:sldMk cId="3956444697" sldId="256"/>
+            <ac:spMk id="202" creationId="{007891EC-4501-44ED-A8C8-B11B6DB767AB}"/>
+          </ac:spMkLst>
+        </pc:spChg>
+        <pc:spChg chg="add del">
+          <ac:chgData name="Florian Abraham" userId="80f79a4070e17801" providerId="LiveId" clId="{3237DADD-DD00-4A27-888E-38443FCAA999}" dt="2022-01-19T09:25:12.841" v="11" actId="26606"/>
+          <ac:spMkLst>
+            <pc:docMk/>
+            <pc:sldMk cId="3956444697" sldId="256"/>
+            <ac:spMk id="203" creationId="{71B2258F-86CA-4D4D-8270-BC05FCDEBFB3}"/>
+          </ac:spMkLst>
+        </pc:spChg>
+        <pc:spChg chg="add del">
+          <ac:chgData name="Florian Abraham" userId="80f79a4070e17801" providerId="LiveId" clId="{3237DADD-DD00-4A27-888E-38443FCAA999}" dt="2022-01-19T10:19:37.888" v="639" actId="26606"/>
+          <ac:spMkLst>
+            <pc:docMk/>
+            <pc:sldMk cId="3956444697" sldId="256"/>
+            <ac:spMk id="204" creationId="{C1DD1A8A-57D5-4A81-AD04-532B043C5611}"/>
+          </ac:spMkLst>
+        </pc:spChg>
+        <pc:spChg chg="add del">
+          <ac:chgData name="Florian Abraham" userId="80f79a4070e17801" providerId="LiveId" clId="{3237DADD-DD00-4A27-888E-38443FCAA999}" dt="2022-01-19T09:25:44.944" v="15" actId="26606"/>
+          <ac:spMkLst>
+            <pc:docMk/>
+            <pc:sldMk cId="3956444697" sldId="256"/>
+            <ac:spMk id="205" creationId="{007891EC-4501-44ED-A8C8-B11B6DB767AB}"/>
+          </ac:spMkLst>
+        </pc:spChg>
+        <pc:spChg chg="add del">
+          <ac:chgData name="Florian Abraham" userId="80f79a4070e17801" providerId="LiveId" clId="{3237DADD-DD00-4A27-888E-38443FCAA999}" dt="2022-01-19T09:25:44.944" v="15" actId="26606"/>
+          <ac:spMkLst>
+            <pc:docMk/>
+            <pc:sldMk cId="3956444697" sldId="256"/>
+            <ac:spMk id="206" creationId="{C1DD1A8A-57D5-4A81-AD04-532B043C5611}"/>
+          </ac:spMkLst>
+        </pc:spChg>
+        <pc:spChg chg="add del">
+          <ac:chgData name="Florian Abraham" userId="80f79a4070e17801" providerId="LiveId" clId="{3237DADD-DD00-4A27-888E-38443FCAA999}" dt="2022-01-19T10:19:37.888" v="639" actId="26606"/>
+          <ac:spMkLst>
+            <pc:docMk/>
+            <pc:sldMk cId="3956444697" sldId="256"/>
+            <ac:spMk id="209" creationId="{007891EC-4501-44ED-A8C8-B11B6DB767AB}"/>
+          </ac:spMkLst>
+        </pc:spChg>
+        <pc:grpChg chg="add del">
+          <ac:chgData name="Florian Abraham" userId="80f79a4070e17801" providerId="LiveId" clId="{3237DADD-DD00-4A27-888E-38443FCAA999}" dt="2022-01-19T09:26:27.295" v="20" actId="26606"/>
+          <ac:grpSpMkLst>
+            <pc:docMk/>
+            <pc:sldMk cId="3956444697" sldId="256"/>
+            <ac:grpSpMk id="20" creationId="{66FB5A75-BDE2-4F12-A95B-C48788A7685C}"/>
+          </ac:grpSpMkLst>
+        </pc:grpChg>
+        <pc:grpChg chg="add del">
+          <ac:chgData name="Florian Abraham" userId="80f79a4070e17801" providerId="LiveId" clId="{3237DADD-DD00-4A27-888E-38443FCAA999}" dt="2022-01-19T09:26:27.295" v="20" actId="26606"/>
+          <ac:grpSpMkLst>
+            <pc:docMk/>
+            <pc:sldMk cId="3956444697" sldId="256"/>
+            <ac:grpSpMk id="28" creationId="{63301095-70B2-49AA-8DA9-A35629AD621C}"/>
+          </ac:grpSpMkLst>
+        </pc:grpChg>
+        <pc:picChg chg="add del mod">
+          <ac:chgData name="Florian Abraham" userId="80f79a4070e17801" providerId="LiveId" clId="{3237DADD-DD00-4A27-888E-38443FCAA999}" dt="2022-01-19T16:33:46.843" v="675" actId="478"/>
+          <ac:picMkLst>
+            <pc:docMk/>
+            <pc:sldMk cId="3956444697" sldId="256"/>
+            <ac:picMk id="91" creationId="{0898CEFB-5482-4F9B-B4AE-A75ED8A1BF01}"/>
+          </ac:picMkLst>
+        </pc:picChg>
+        <pc:picChg chg="add">
+          <ac:chgData name="Florian Abraham" userId="80f79a4070e17801" providerId="LiveId" clId="{3237DADD-DD00-4A27-888E-38443FCAA999}" dt="2022-01-19T16:33:51.629" v="676" actId="26606"/>
+          <ac:picMkLst>
+            <pc:docMk/>
+            <pc:sldMk cId="3956444697" sldId="256"/>
+            <ac:picMk id="99" creationId="{AD56C9CA-83D8-436A-9D63-494E52FB9D42}"/>
+          </ac:picMkLst>
+        </pc:picChg>
+        <pc:picChg chg="add del">
+          <ac:chgData name="Florian Abraham" userId="80f79a4070e17801" providerId="LiveId" clId="{3237DADD-DD00-4A27-888E-38443FCAA999}" dt="2022-01-19T09:25:12.841" v="11" actId="26606"/>
+          <ac:picMkLst>
+            <pc:docMk/>
+            <pc:sldMk cId="3956444697" sldId="256"/>
+            <ac:picMk id="199" creationId="{F44626DA-30D2-474F-895C-CC5297AA9904}"/>
+          </ac:picMkLst>
+        </pc:picChg>
+        <pc:picChg chg="add del mod">
+          <ac:chgData name="Florian Abraham" userId="80f79a4070e17801" providerId="LiveId" clId="{3237DADD-DD00-4A27-888E-38443FCAA999}" dt="2022-01-19T09:26:27.281" v="19" actId="26606"/>
+          <ac:picMkLst>
+            <pc:docMk/>
+            <pc:sldMk cId="3956444697" sldId="256"/>
+            <ac:picMk id="201" creationId="{EFD266E1-88F8-4D30-85BD-3D120E63E282}"/>
+          </ac:picMkLst>
+        </pc:picChg>
+        <pc:picChg chg="add del mod">
+          <ac:chgData name="Florian Abraham" userId="80f79a4070e17801" providerId="LiveId" clId="{3237DADD-DD00-4A27-888E-38443FCAA999}" dt="2022-01-19T09:25:44.944" v="15" actId="26606"/>
+          <ac:picMkLst>
+            <pc:docMk/>
+            <pc:sldMk cId="3956444697" sldId="256"/>
+            <ac:picMk id="207" creationId="{9EF8B057-6087-450F-AACC-6759B4CFD26B}"/>
+          </ac:picMkLst>
+        </pc:picChg>
+        <pc:picChg chg="add del">
+          <ac:chgData name="Florian Abraham" userId="80f79a4070e17801" providerId="LiveId" clId="{3237DADD-DD00-4A27-888E-38443FCAA999}" dt="2022-01-19T10:19:29.835" v="638" actId="478"/>
+          <ac:picMkLst>
+            <pc:docMk/>
+            <pc:sldMk cId="3956444697" sldId="256"/>
+            <ac:picMk id="208" creationId="{FCA8CF49-CE7B-41A4-80F9-DB601851504D}"/>
+          </ac:picMkLst>
+        </pc:picChg>
+        <pc:picChg chg="add del">
+          <ac:chgData name="Florian Abraham" userId="80f79a4070e17801" providerId="LiveId" clId="{3237DADD-DD00-4A27-888E-38443FCAA999}" dt="2022-01-19T16:25:30.306" v="650" actId="478"/>
+          <ac:picMkLst>
+            <pc:docMk/>
+            <pc:sldMk cId="3956444697" sldId="256"/>
+            <ac:picMk id="211" creationId="{03AE011C-C25D-4C5C-8F2F-28A2F00BE60B}"/>
+          </ac:picMkLst>
+        </pc:picChg>
+      </pc:sldChg>
+      <pc:sldChg chg="modSp ord">
+        <pc:chgData name="Florian Abraham" userId="80f79a4070e17801" providerId="LiveId" clId="{3237DADD-DD00-4A27-888E-38443FCAA999}" dt="2022-01-19T16:35:06.462" v="686"/>
+        <pc:sldMkLst>
+          <pc:docMk/>
+          <pc:sldMk cId="2943653642" sldId="257"/>
+        </pc:sldMkLst>
+        <pc:spChg chg="mod">
+          <ac:chgData name="Florian Abraham" userId="80f79a4070e17801" providerId="LiveId" clId="{3237DADD-DD00-4A27-888E-38443FCAA999}" dt="2022-01-19T16:35:06.462" v="686"/>
+          <ac:spMkLst>
+            <pc:docMk/>
+            <pc:sldMk cId="2943653642" sldId="257"/>
+            <ac:spMk id="2" creationId="{761C483A-BEFD-43FE-8F5B-E90C667872CF}"/>
+          </ac:spMkLst>
+        </pc:spChg>
+        <pc:spChg chg="mod">
+          <ac:chgData name="Florian Abraham" userId="80f79a4070e17801" providerId="LiveId" clId="{3237DADD-DD00-4A27-888E-38443FCAA999}" dt="2022-01-19T16:35:06.462" v="686"/>
+          <ac:spMkLst>
+            <pc:docMk/>
+            <pc:sldMk cId="2943653642" sldId="257"/>
+            <ac:spMk id="3" creationId="{B3401E91-2BF2-481C-824E-CED042D72153}"/>
+          </ac:spMkLst>
+        </pc:spChg>
+      </pc:sldChg>
+      <pc:sldChg chg="addSp modSp del mod">
+        <pc:chgData name="Florian Abraham" userId="80f79a4070e17801" providerId="LiveId" clId="{3237DADD-DD00-4A27-888E-38443FCAA999}" dt="2022-01-19T09:36:22.610" v="245" actId="47"/>
+        <pc:sldMkLst>
+          <pc:docMk/>
+          <pc:sldMk cId="1165377620" sldId="258"/>
+        </pc:sldMkLst>
+        <pc:spChg chg="mod">
+          <ac:chgData name="Florian Abraham" userId="80f79a4070e17801" providerId="LiveId" clId="{3237DADD-DD00-4A27-888E-38443FCAA999}" dt="2022-01-19T09:28:10.985" v="91" actId="5793"/>
+          <ac:spMkLst>
+            <pc:docMk/>
+            <pc:sldMk cId="1165377620" sldId="258"/>
+            <ac:spMk id="3" creationId="{9CFB07AA-BC47-4A86-BE77-4576373AC739}"/>
+          </ac:spMkLst>
+        </pc:spChg>
+        <pc:picChg chg="add mod modCrop">
+          <ac:chgData name="Florian Abraham" userId="80f79a4070e17801" providerId="LiveId" clId="{3237DADD-DD00-4A27-888E-38443FCAA999}" dt="2022-01-19T09:32:49.796" v="97" actId="1076"/>
+          <ac:picMkLst>
+            <pc:docMk/>
+            <pc:sldMk cId="1165377620" sldId="258"/>
+            <ac:picMk id="5" creationId="{ED1E735B-F6B1-4919-A595-86860786124A}"/>
+          </ac:picMkLst>
+        </pc:picChg>
+      </pc:sldChg>
+      <pc:sldChg chg="addSp delSp modSp mod setBg modClrScheme delDesignElem chgLayout">
+        <pc:chgData name="Florian Abraham" userId="80f79a4070e17801" providerId="LiveId" clId="{3237DADD-DD00-4A27-888E-38443FCAA999}" dt="2022-01-19T16:36:15.405" v="696" actId="120"/>
+        <pc:sldMkLst>
+          <pc:docMk/>
+          <pc:sldMk cId="3318566146" sldId="259"/>
+        </pc:sldMkLst>
+        <pc:spChg chg="mod ord">
+          <ac:chgData name="Florian Abraham" userId="80f79a4070e17801" providerId="LiveId" clId="{3237DADD-DD00-4A27-888E-38443FCAA999}" dt="2022-01-19T16:36:15.405" v="696" actId="120"/>
+          <ac:spMkLst>
+            <pc:docMk/>
+            <pc:sldMk cId="3318566146" sldId="259"/>
+            <ac:spMk id="2" creationId="{46AD85B3-717E-4DD4-8119-17314D5CD495}"/>
+          </ac:spMkLst>
+        </pc:spChg>
+        <pc:spChg chg="mod ord">
+          <ac:chgData name="Florian Abraham" userId="80f79a4070e17801" providerId="LiveId" clId="{3237DADD-DD00-4A27-888E-38443FCAA999}" dt="2022-01-19T16:36:01.352" v="693" actId="700"/>
+          <ac:spMkLst>
+            <pc:docMk/>
+            <pc:sldMk cId="3318566146" sldId="259"/>
+            <ac:spMk id="3" creationId="{A427E458-97C0-4754-A65B-D3D3A5B096A9}"/>
+          </ac:spMkLst>
+        </pc:spChg>
+        <pc:spChg chg="add mod ord">
+          <ac:chgData name="Florian Abraham" userId="80f79a4070e17801" providerId="LiveId" clId="{3237DADD-DD00-4A27-888E-38443FCAA999}" dt="2022-01-19T16:36:01.352" v="693" actId="700"/>
+          <ac:spMkLst>
+            <pc:docMk/>
+            <pc:sldMk cId="3318566146" sldId="259"/>
+            <ac:spMk id="4" creationId="{A49A3A2F-7E8B-4CE3-8137-ACBA6277D6F0}"/>
+          </ac:spMkLst>
+        </pc:spChg>
+        <pc:spChg chg="add del">
+          <ac:chgData name="Florian Abraham" userId="80f79a4070e17801" providerId="LiveId" clId="{3237DADD-DD00-4A27-888E-38443FCAA999}" dt="2022-01-19T16:35:06.462" v="686"/>
+          <ac:spMkLst>
+            <pc:docMk/>
+            <pc:sldMk cId="3318566146" sldId="259"/>
+            <ac:spMk id="8" creationId="{A2679492-7988-4050-9056-542444452411}"/>
+          </ac:spMkLst>
+        </pc:spChg>
+        <pc:spChg chg="add del">
+          <ac:chgData name="Florian Abraham" userId="80f79a4070e17801" providerId="LiveId" clId="{3237DADD-DD00-4A27-888E-38443FCAA999}" dt="2022-01-19T16:35:06.462" v="686"/>
+          <ac:spMkLst>
+            <pc:docMk/>
+            <pc:sldMk cId="3318566146" sldId="259"/>
+            <ac:spMk id="10" creationId="{B091B163-7D61-4891-ABCF-5C13D9C418D0}"/>
+          </ac:spMkLst>
+        </pc:spChg>
+        <pc:grpChg chg="add del">
+          <ac:chgData name="Florian Abraham" userId="80f79a4070e17801" providerId="LiveId" clId="{3237DADD-DD00-4A27-888E-38443FCAA999}" dt="2022-01-19T16:35:06.462" v="686"/>
+          <ac:grpSpMkLst>
+            <pc:docMk/>
+            <pc:sldMk cId="3318566146" sldId="259"/>
+            <ac:grpSpMk id="12" creationId="{0474DF76-993E-44DE-AFB0-C416182ACECF}"/>
+          </ac:grpSpMkLst>
+        </pc:grpChg>
+        <pc:cxnChg chg="add del">
+          <ac:chgData name="Florian Abraham" userId="80f79a4070e17801" providerId="LiveId" clId="{3237DADD-DD00-4A27-888E-38443FCAA999}" dt="2022-01-19T16:35:06.462" v="686"/>
+          <ac:cxnSpMkLst>
+            <pc:docMk/>
+            <pc:sldMk cId="3318566146" sldId="259"/>
+            <ac:cxnSpMk id="17" creationId="{C49DA8F6-BCC1-4447-B54C-57856834B94B}"/>
+          </ac:cxnSpMkLst>
+        </pc:cxnChg>
+      </pc:sldChg>
+      <pc:sldChg chg="addSp modSp mod modClrScheme chgLayout">
+        <pc:chgData name="Florian Abraham" userId="80f79a4070e17801" providerId="LiveId" clId="{3237DADD-DD00-4A27-888E-38443FCAA999}" dt="2022-01-19T16:35:06.462" v="686"/>
+        <pc:sldMkLst>
+          <pc:docMk/>
+          <pc:sldMk cId="3140099815" sldId="260"/>
+        </pc:sldMkLst>
+        <pc:spChg chg="mod ord">
+          <ac:chgData name="Florian Abraham" userId="80f79a4070e17801" providerId="LiveId" clId="{3237DADD-DD00-4A27-888E-38443FCAA999}" dt="2022-01-19T16:35:06.462" v="686"/>
+          <ac:spMkLst>
+            <pc:docMk/>
+            <pc:sldMk cId="3140099815" sldId="260"/>
+            <ac:spMk id="2" creationId="{6041799A-7529-4C87-AFF7-A08C106A13B3}"/>
+          </ac:spMkLst>
+        </pc:spChg>
+        <pc:spChg chg="mod ord">
+          <ac:chgData name="Florian Abraham" userId="80f79a4070e17801" providerId="LiveId" clId="{3237DADD-DD00-4A27-888E-38443FCAA999}" dt="2022-01-19T16:35:06.462" v="686"/>
+          <ac:spMkLst>
+            <pc:docMk/>
+            <pc:sldMk cId="3140099815" sldId="260"/>
+            <ac:spMk id="3" creationId="{ACEAC06A-53BD-405A-AEC7-468525FBC23E}"/>
+          </ac:spMkLst>
+        </pc:spChg>
+        <pc:spChg chg="add mod ord">
+          <ac:chgData name="Florian Abraham" userId="80f79a4070e17801" providerId="LiveId" clId="{3237DADD-DD00-4A27-888E-38443FCAA999}" dt="2022-01-19T16:35:06.462" v="686"/>
+          <ac:spMkLst>
+            <pc:docMk/>
+            <pc:sldMk cId="3140099815" sldId="260"/>
+            <ac:spMk id="4" creationId="{ACCF380F-652F-4D86-B4B3-AB9677307FBE}"/>
+          </ac:spMkLst>
+        </pc:spChg>
+      </pc:sldChg>
+      <pc:sldChg chg="modSp">
+        <pc:chgData name="Florian Abraham" userId="80f79a4070e17801" providerId="LiveId" clId="{3237DADD-DD00-4A27-888E-38443FCAA999}" dt="2022-01-19T16:35:06.462" v="686"/>
+        <pc:sldMkLst>
+          <pc:docMk/>
+          <pc:sldMk cId="3226608598" sldId="261"/>
+        </pc:sldMkLst>
+        <pc:spChg chg="mod">
+          <ac:chgData name="Florian Abraham" userId="80f79a4070e17801" providerId="LiveId" clId="{3237DADD-DD00-4A27-888E-38443FCAA999}" dt="2022-01-19T16:35:06.462" v="686"/>
+          <ac:spMkLst>
+            <pc:docMk/>
+            <pc:sldMk cId="3226608598" sldId="261"/>
+            <ac:spMk id="2" creationId="{2D1C2E93-14EF-43FA-B695-EEB0086236F1}"/>
+          </ac:spMkLst>
+        </pc:spChg>
+        <pc:spChg chg="mod">
+          <ac:chgData name="Florian Abraham" userId="80f79a4070e17801" providerId="LiveId" clId="{3237DADD-DD00-4A27-888E-38443FCAA999}" dt="2022-01-19T16:35:06.462" v="686"/>
+          <ac:spMkLst>
+            <pc:docMk/>
+            <pc:sldMk cId="3226608598" sldId="261"/>
+            <ac:spMk id="3" creationId="{21B4A6AD-D6D4-4159-8C84-65A84AC6F893}"/>
+          </ac:spMkLst>
+        </pc:spChg>
+      </pc:sldChg>
+      <pc:sldChg chg="modSp">
+        <pc:chgData name="Florian Abraham" userId="80f79a4070e17801" providerId="LiveId" clId="{3237DADD-DD00-4A27-888E-38443FCAA999}" dt="2022-01-19T16:35:06.462" v="686"/>
+        <pc:sldMkLst>
+          <pc:docMk/>
+          <pc:sldMk cId="2752518326" sldId="262"/>
+        </pc:sldMkLst>
+        <pc:spChg chg="mod">
+          <ac:chgData name="Florian Abraham" userId="80f79a4070e17801" providerId="LiveId" clId="{3237DADD-DD00-4A27-888E-38443FCAA999}" dt="2022-01-19T16:35:06.462" v="686"/>
+          <ac:spMkLst>
+            <pc:docMk/>
+            <pc:sldMk cId="2752518326" sldId="262"/>
+            <ac:spMk id="2" creationId="{856B0BB4-90A4-4B31-A440-3D14236C6A2A}"/>
+          </ac:spMkLst>
+        </pc:spChg>
+        <pc:spChg chg="mod">
+          <ac:chgData name="Florian Abraham" userId="80f79a4070e17801" providerId="LiveId" clId="{3237DADD-DD00-4A27-888E-38443FCAA999}" dt="2022-01-19T16:35:06.462" v="686"/>
+          <ac:spMkLst>
+            <pc:docMk/>
+            <pc:sldMk cId="2752518326" sldId="262"/>
+            <ac:spMk id="3" creationId="{B31F496C-08B4-4D43-B6D0-C2628F53D8D3}"/>
+          </ac:spMkLst>
+        </pc:spChg>
+      </pc:sldChg>
+      <pc:sldChg chg="modSp">
+        <pc:chgData name="Florian Abraham" userId="80f79a4070e17801" providerId="LiveId" clId="{3237DADD-DD00-4A27-888E-38443FCAA999}" dt="2022-01-19T16:35:06.462" v="686"/>
+        <pc:sldMkLst>
+          <pc:docMk/>
+          <pc:sldMk cId="705422447" sldId="263"/>
+        </pc:sldMkLst>
+        <pc:spChg chg="mod">
+          <ac:chgData name="Florian Abraham" userId="80f79a4070e17801" providerId="LiveId" clId="{3237DADD-DD00-4A27-888E-38443FCAA999}" dt="2022-01-19T16:35:06.462" v="686"/>
+          <ac:spMkLst>
+            <pc:docMk/>
+            <pc:sldMk cId="705422447" sldId="263"/>
+            <ac:spMk id="2" creationId="{155A19FB-5D4D-41FA-B22C-9CB0B99D5006}"/>
+          </ac:spMkLst>
+        </pc:spChg>
+        <pc:spChg chg="mod">
+          <ac:chgData name="Florian Abraham" userId="80f79a4070e17801" providerId="LiveId" clId="{3237DADD-DD00-4A27-888E-38443FCAA999}" dt="2022-01-19T16:35:06.462" v="686"/>
+          <ac:spMkLst>
+            <pc:docMk/>
+            <pc:sldMk cId="705422447" sldId="263"/>
+            <ac:spMk id="3" creationId="{88F8A8E9-D7E6-4697-A09F-7303BA102A8C}"/>
+          </ac:spMkLst>
+        </pc:spChg>
+      </pc:sldChg>
+      <pc:sldChg chg="modSp">
+        <pc:chgData name="Florian Abraham" userId="80f79a4070e17801" providerId="LiveId" clId="{3237DADD-DD00-4A27-888E-38443FCAA999}" dt="2022-01-19T16:35:06.462" v="686"/>
+        <pc:sldMkLst>
+          <pc:docMk/>
+          <pc:sldMk cId="3287765823" sldId="264"/>
+        </pc:sldMkLst>
+        <pc:spChg chg="mod">
+          <ac:chgData name="Florian Abraham" userId="80f79a4070e17801" providerId="LiveId" clId="{3237DADD-DD00-4A27-888E-38443FCAA999}" dt="2022-01-19T16:35:06.462" v="686"/>
+          <ac:spMkLst>
+            <pc:docMk/>
+            <pc:sldMk cId="3287765823" sldId="264"/>
+            <ac:spMk id="2" creationId="{956437B0-9521-4845-AB30-C6842A17A6DC}"/>
+          </ac:spMkLst>
+        </pc:spChg>
+        <pc:spChg chg="mod">
+          <ac:chgData name="Florian Abraham" userId="80f79a4070e17801" providerId="LiveId" clId="{3237DADD-DD00-4A27-888E-38443FCAA999}" dt="2022-01-19T16:35:06.462" v="686"/>
+          <ac:spMkLst>
+            <pc:docMk/>
+            <pc:sldMk cId="3287765823" sldId="264"/>
+            <ac:spMk id="3" creationId="{6E9EA587-D840-418A-9ACE-0D65B4F23994}"/>
+          </ac:spMkLst>
+        </pc:spChg>
+      </pc:sldChg>
+      <pc:sldChg chg="modSp">
+        <pc:chgData name="Florian Abraham" userId="80f79a4070e17801" providerId="LiveId" clId="{3237DADD-DD00-4A27-888E-38443FCAA999}" dt="2022-01-19T16:35:06.462" v="686"/>
+        <pc:sldMkLst>
+          <pc:docMk/>
+          <pc:sldMk cId="3852468479" sldId="265"/>
+        </pc:sldMkLst>
+        <pc:spChg chg="mod">
+          <ac:chgData name="Florian Abraham" userId="80f79a4070e17801" providerId="LiveId" clId="{3237DADD-DD00-4A27-888E-38443FCAA999}" dt="2022-01-19T16:35:06.462" v="686"/>
+          <ac:spMkLst>
+            <pc:docMk/>
+            <pc:sldMk cId="3852468479" sldId="265"/>
+            <ac:spMk id="2" creationId="{38801550-3A2A-4992-87F2-7F68C3F682EA}"/>
+          </ac:spMkLst>
+        </pc:spChg>
+        <pc:spChg chg="mod">
+          <ac:chgData name="Florian Abraham" userId="80f79a4070e17801" providerId="LiveId" clId="{3237DADD-DD00-4A27-888E-38443FCAA999}" dt="2022-01-19T16:35:06.462" v="686"/>
+          <ac:spMkLst>
+            <pc:docMk/>
+            <pc:sldMk cId="3852468479" sldId="265"/>
+            <ac:spMk id="3" creationId="{6D09E0EE-0FC8-42E4-8BF3-05491254F787}"/>
+          </ac:spMkLst>
+        </pc:spChg>
+      </pc:sldChg>
+      <pc:sldChg chg="modSp">
+        <pc:chgData name="Florian Abraham" userId="80f79a4070e17801" providerId="LiveId" clId="{3237DADD-DD00-4A27-888E-38443FCAA999}" dt="2022-01-19T16:35:06.462" v="686"/>
+        <pc:sldMkLst>
+          <pc:docMk/>
+          <pc:sldMk cId="2849264222" sldId="266"/>
+        </pc:sldMkLst>
+        <pc:spChg chg="mod">
+          <ac:chgData name="Florian Abraham" userId="80f79a4070e17801" providerId="LiveId" clId="{3237DADD-DD00-4A27-888E-38443FCAA999}" dt="2022-01-19T16:35:06.462" v="686"/>
+          <ac:spMkLst>
+            <pc:docMk/>
+            <pc:sldMk cId="2849264222" sldId="266"/>
+            <ac:spMk id="2" creationId="{8BD3E2D9-40ED-44E8-9C56-74E7CFBF5B42}"/>
+          </ac:spMkLst>
+        </pc:spChg>
+        <pc:spChg chg="mod">
+          <ac:chgData name="Florian Abraham" userId="80f79a4070e17801" providerId="LiveId" clId="{3237DADD-DD00-4A27-888E-38443FCAA999}" dt="2022-01-19T16:35:06.462" v="686"/>
+          <ac:spMkLst>
+            <pc:docMk/>
+            <pc:sldMk cId="2849264222" sldId="266"/>
+            <ac:spMk id="3" creationId="{BAEB3B57-5314-44F2-8F97-E100EABD8142}"/>
+          </ac:spMkLst>
+        </pc:spChg>
+      </pc:sldChg>
+      <pc:sldChg chg="addSp delSp modSp add mod modClrScheme modAnim delDesignElem chgLayout">
+        <pc:chgData name="Florian Abraham" userId="80f79a4070e17801" providerId="LiveId" clId="{3237DADD-DD00-4A27-888E-38443FCAA999}" dt="2022-01-19T16:35:06.462" v="686"/>
+        <pc:sldMkLst>
+          <pc:docMk/>
+          <pc:sldMk cId="2676300202" sldId="267"/>
+        </pc:sldMkLst>
+        <pc:spChg chg="mod ord">
+          <ac:chgData name="Florian Abraham" userId="80f79a4070e17801" providerId="LiveId" clId="{3237DADD-DD00-4A27-888E-38443FCAA999}" dt="2022-01-19T10:19:58.392" v="640" actId="26606"/>
+          <ac:spMkLst>
+            <pc:docMk/>
+            <pc:sldMk cId="2676300202" sldId="267"/>
+            <ac:spMk id="2" creationId="{A80C63CD-E596-4C34-80CB-E29FEE5410EF}"/>
+          </ac:spMkLst>
+        </pc:spChg>
+        <pc:spChg chg="mod ord">
+          <ac:chgData name="Florian Abraham" userId="80f79a4070e17801" providerId="LiveId" clId="{3237DADD-DD00-4A27-888E-38443FCAA999}" dt="2022-01-19T10:19:58.392" v="640" actId="26606"/>
+          <ac:spMkLst>
+            <pc:docMk/>
+            <pc:sldMk cId="2676300202" sldId="267"/>
+            <ac:spMk id="3" creationId="{2DAD16C1-8AB5-45A9-9F47-B85DE73559A8}"/>
+          </ac:spMkLst>
+        </pc:spChg>
+        <pc:spChg chg="add del">
+          <ac:chgData name="Florian Abraham" userId="80f79a4070e17801" providerId="LiveId" clId="{3237DADD-DD00-4A27-888E-38443FCAA999}" dt="2022-01-19T09:33:32.192" v="121" actId="26606"/>
+          <ac:spMkLst>
+            <pc:docMk/>
+            <pc:sldMk cId="2676300202" sldId="267"/>
+            <ac:spMk id="85" creationId="{04812C46-200A-4DEB-A05E-3ED6C68C2387}"/>
+          </ac:spMkLst>
+        </pc:spChg>
+        <pc:spChg chg="add del">
+          <ac:chgData name="Florian Abraham" userId="80f79a4070e17801" providerId="LiveId" clId="{3237DADD-DD00-4A27-888E-38443FCAA999}" dt="2022-01-19T09:33:32.192" v="121" actId="26606"/>
+          <ac:spMkLst>
+            <pc:docMk/>
+            <pc:sldMk cId="2676300202" sldId="267"/>
+            <ac:spMk id="87" creationId="{D1EA859B-E555-4109-94F3-6700E046E008}"/>
+          </ac:spMkLst>
+        </pc:spChg>
+        <pc:spChg chg="add del">
+          <ac:chgData name="Florian Abraham" userId="80f79a4070e17801" providerId="LiveId" clId="{3237DADD-DD00-4A27-888E-38443FCAA999}" dt="2022-01-19T10:16:51.068" v="616" actId="26606"/>
+          <ac:spMkLst>
+            <pc:docMk/>
+            <pc:sldMk cId="2676300202" sldId="267"/>
+            <ac:spMk id="90" creationId="{D009D6D5-DAC2-4A8B-A17A-E206B9012D09}"/>
+          </ac:spMkLst>
+        </pc:spChg>
+        <pc:spChg chg="add del">
+          <ac:chgData name="Florian Abraham" userId="80f79a4070e17801" providerId="LiveId" clId="{3237DADD-DD00-4A27-888E-38443FCAA999}" dt="2022-01-19T10:19:58.392" v="640" actId="26606"/>
+          <ac:spMkLst>
+            <pc:docMk/>
+            <pc:sldMk cId="2676300202" sldId="267"/>
+            <ac:spMk id="95" creationId="{A2679492-7988-4050-9056-542444452411}"/>
+          </ac:spMkLst>
+        </pc:spChg>
+        <pc:spChg chg="add del">
+          <ac:chgData name="Florian Abraham" userId="80f79a4070e17801" providerId="LiveId" clId="{3237DADD-DD00-4A27-888E-38443FCAA999}" dt="2022-01-19T10:19:58.392" v="640" actId="26606"/>
+          <ac:spMkLst>
+            <pc:docMk/>
+            <pc:sldMk cId="2676300202" sldId="267"/>
+            <ac:spMk id="97" creationId="{B091B163-7D61-4891-ABCF-5C13D9C418D0}"/>
+          </ac:spMkLst>
+        </pc:spChg>
+        <pc:spChg chg="add del">
+          <ac:chgData name="Florian Abraham" userId="80f79a4070e17801" providerId="LiveId" clId="{3237DADD-DD00-4A27-888E-38443FCAA999}" dt="2022-01-19T16:35:06.462" v="686"/>
+          <ac:spMkLst>
+            <pc:docMk/>
+            <pc:sldMk cId="2676300202" sldId="267"/>
+            <ac:spMk id="104" creationId="{99192C51-B764-4A9B-9587-5EF8B628B8D9}"/>
+          </ac:spMkLst>
+        </pc:spChg>
+        <pc:spChg chg="add del">
+          <ac:chgData name="Florian Abraham" userId="80f79a4070e17801" providerId="LiveId" clId="{3237DADD-DD00-4A27-888E-38443FCAA999}" dt="2022-01-19T09:33:40.235" v="123" actId="26606"/>
+          <ac:spMkLst>
+            <pc:docMk/>
+            <pc:sldMk cId="2676300202" sldId="267"/>
+            <ac:spMk id="149" creationId="{CEF6118E-44FB-4509-B4D9-129052E4C6EE}"/>
+          </ac:spMkLst>
+        </pc:spChg>
+        <pc:spChg chg="del">
+          <ac:chgData name="Florian Abraham" userId="80f79a4070e17801" providerId="LiveId" clId="{3237DADD-DD00-4A27-888E-38443FCAA999}" dt="2022-01-19T09:26:48.815" v="24" actId="700"/>
+          <ac:spMkLst>
+            <pc:docMk/>
+            <pc:sldMk cId="2676300202" sldId="267"/>
+            <ac:spMk id="204" creationId="{C1DD1A8A-57D5-4A81-AD04-532B043C5611}"/>
+          </ac:spMkLst>
+        </pc:spChg>
+        <pc:spChg chg="del">
+          <ac:chgData name="Florian Abraham" userId="80f79a4070e17801" providerId="LiveId" clId="{3237DADD-DD00-4A27-888E-38443FCAA999}" dt="2022-01-19T09:26:48.815" v="24" actId="700"/>
+          <ac:spMkLst>
+            <pc:docMk/>
+            <pc:sldMk cId="2676300202" sldId="267"/>
+            <ac:spMk id="209" creationId="{007891EC-4501-44ED-A8C8-B11B6DB767AB}"/>
+          </ac:spMkLst>
+        </pc:spChg>
+        <pc:picChg chg="add mod ord">
+          <ac:chgData name="Florian Abraham" userId="80f79a4070e17801" providerId="LiveId" clId="{3237DADD-DD00-4A27-888E-38443FCAA999}" dt="2022-01-19T10:19:58.392" v="640" actId="26606"/>
+          <ac:picMkLst>
+            <pc:docMk/>
+            <pc:sldMk cId="2676300202" sldId="267"/>
+            <ac:picMk id="9" creationId="{92F7502F-AD19-4523-979A-98E7D4DE6E18}"/>
+          </ac:picMkLst>
+        </pc:picChg>
+        <pc:picChg chg="del mod ord">
+          <ac:chgData name="Florian Abraham" userId="80f79a4070e17801" providerId="LiveId" clId="{3237DADD-DD00-4A27-888E-38443FCAA999}" dt="2022-01-19T09:33:36.048" v="122" actId="478"/>
+          <ac:picMkLst>
+            <pc:docMk/>
+            <pc:sldMk cId="2676300202" sldId="267"/>
+            <ac:picMk id="208" creationId="{FCA8CF49-CE7B-41A4-80F9-DB601851504D}"/>
+          </ac:picMkLst>
+        </pc:picChg>
+        <pc:cxnChg chg="add del">
+          <ac:chgData name="Florian Abraham" userId="80f79a4070e17801" providerId="LiveId" clId="{3237DADD-DD00-4A27-888E-38443FCAA999}" dt="2022-01-19T10:19:58.392" v="640" actId="26606"/>
+          <ac:cxnSpMkLst>
+            <pc:docMk/>
+            <pc:sldMk cId="2676300202" sldId="267"/>
+            <ac:cxnSpMk id="99" creationId="{C49DA8F6-BCC1-4447-B54C-57856834B94B}"/>
+          </ac:cxnSpMkLst>
+        </pc:cxnChg>
+      </pc:sldChg>
+      <pc:sldChg chg="new del">
+        <pc:chgData name="Florian Abraham" userId="80f79a4070e17801" providerId="LiveId" clId="{3237DADD-DD00-4A27-888E-38443FCAA999}" dt="2022-01-19T09:26:39.408" v="22" actId="47"/>
+        <pc:sldMkLst>
+          <pc:docMk/>
+          <pc:sldMk cId="3498333068" sldId="267"/>
+        </pc:sldMkLst>
+      </pc:sldChg>
+      <pc:sldChg chg="addSp delSp modSp add del mod delAnim modAnim">
+        <pc:chgData name="Florian Abraham" userId="80f79a4070e17801" providerId="LiveId" clId="{3237DADD-DD00-4A27-888E-38443FCAA999}" dt="2022-01-19T10:17:59.153" v="633" actId="47"/>
+        <pc:sldMkLst>
+          <pc:docMk/>
+          <pc:sldMk cId="577628953" sldId="268"/>
+        </pc:sldMkLst>
+        <pc:spChg chg="mod">
+          <ac:chgData name="Florian Abraham" userId="80f79a4070e17801" providerId="LiveId" clId="{3237DADD-DD00-4A27-888E-38443FCAA999}" dt="2022-01-19T09:42:30.761" v="311" actId="6549"/>
+          <ac:spMkLst>
+            <pc:docMk/>
+            <pc:sldMk cId="577628953" sldId="268"/>
+            <ac:spMk id="2" creationId="{A80C63CD-E596-4C34-80CB-E29FEE5410EF}"/>
+          </ac:spMkLst>
+        </pc:spChg>
+        <pc:spChg chg="mod">
+          <ac:chgData name="Florian Abraham" userId="80f79a4070e17801" providerId="LiveId" clId="{3237DADD-DD00-4A27-888E-38443FCAA999}" dt="2022-01-19T09:44:12.926" v="368" actId="20577"/>
+          <ac:spMkLst>
+            <pc:docMk/>
+            <pc:sldMk cId="577628953" sldId="268"/>
+            <ac:spMk id="3" creationId="{2DAD16C1-8AB5-45A9-9F47-B85DE73559A8}"/>
+          </ac:spMkLst>
+        </pc:spChg>
+        <pc:picChg chg="add del mod">
+          <ac:chgData name="Florian Abraham" userId="80f79a4070e17801" providerId="LiveId" clId="{3237DADD-DD00-4A27-888E-38443FCAA999}" dt="2022-01-19T09:40:00.223" v="295" actId="478"/>
+          <ac:picMkLst>
+            <pc:docMk/>
+            <pc:sldMk cId="577628953" sldId="268"/>
+            <ac:picMk id="4" creationId="{01B1B6C2-1180-4FCB-8B95-C4AD75CEE0E4}"/>
+          </ac:picMkLst>
+        </pc:picChg>
+        <pc:picChg chg="add mod">
+          <ac:chgData name="Florian Abraham" userId="80f79a4070e17801" providerId="LiveId" clId="{3237DADD-DD00-4A27-888E-38443FCAA999}" dt="2022-01-19T09:40:29.936" v="297" actId="1076"/>
+          <ac:picMkLst>
+            <pc:docMk/>
+            <pc:sldMk cId="577628953" sldId="268"/>
+            <ac:picMk id="5" creationId="{3D1FEABA-FDFB-45DD-8FFF-2CC0611B47DD}"/>
+          </ac:picMkLst>
+        </pc:picChg>
+        <pc:picChg chg="add del mod">
+          <ac:chgData name="Florian Abraham" userId="80f79a4070e17801" providerId="LiveId" clId="{3237DADD-DD00-4A27-888E-38443FCAA999}" dt="2022-01-19T09:45:13.818" v="370" actId="478"/>
+          <ac:picMkLst>
+            <pc:docMk/>
+            <pc:sldMk cId="577628953" sldId="268"/>
+            <ac:picMk id="6" creationId="{6D3193A2-0E81-4DE7-91F6-44D8877334DD}"/>
+          </ac:picMkLst>
+        </pc:picChg>
+        <pc:picChg chg="add mod">
+          <ac:chgData name="Florian Abraham" userId="80f79a4070e17801" providerId="LiveId" clId="{3237DADD-DD00-4A27-888E-38443FCAA999}" dt="2022-01-19T09:47:39.559" v="372" actId="1076"/>
+          <ac:picMkLst>
+            <pc:docMk/>
+            <pc:sldMk cId="577628953" sldId="268"/>
+            <ac:picMk id="7" creationId="{62BFCC79-F1C3-4065-9388-776BEB3F7722}"/>
+          </ac:picMkLst>
+        </pc:picChg>
+      </pc:sldChg>
+      <pc:sldChg chg="modSp new mod">
+        <pc:chgData name="Florian Abraham" userId="80f79a4070e17801" providerId="LiveId" clId="{3237DADD-DD00-4A27-888E-38443FCAA999}" dt="2022-01-19T16:35:06.462" v="686"/>
+        <pc:sldMkLst>
+          <pc:docMk/>
+          <pc:sldMk cId="2961373261" sldId="269"/>
+        </pc:sldMkLst>
+        <pc:spChg chg="mod">
+          <ac:chgData name="Florian Abraham" userId="80f79a4070e17801" providerId="LiveId" clId="{3237DADD-DD00-4A27-888E-38443FCAA999}" dt="2022-01-19T16:35:06.462" v="686"/>
+          <ac:spMkLst>
+            <pc:docMk/>
+            <pc:sldMk cId="2961373261" sldId="269"/>
+            <ac:spMk id="2" creationId="{2E53DDFB-41E1-410E-B458-5A5B56A703ED}"/>
+          </ac:spMkLst>
+        </pc:spChg>
+        <pc:spChg chg="mod">
+          <ac:chgData name="Florian Abraham" userId="80f79a4070e17801" providerId="LiveId" clId="{3237DADD-DD00-4A27-888E-38443FCAA999}" dt="2022-01-19T16:35:06.462" v="686"/>
+          <ac:spMkLst>
+            <pc:docMk/>
+            <pc:sldMk cId="2961373261" sldId="269"/>
+            <ac:spMk id="3" creationId="{5FF908C4-BB4F-4AEC-B8CA-0842A8BAA270}"/>
+          </ac:spMkLst>
+        </pc:spChg>
+      </pc:sldChg>
+      <pc:sldChg chg="addSp delSp modSp add mod setBg addAnim delAnim modAnim delDesignElem">
+        <pc:chgData name="Florian Abraham" userId="80f79a4070e17801" providerId="LiveId" clId="{3237DADD-DD00-4A27-888E-38443FCAA999}" dt="2022-01-19T16:35:06.462" v="686"/>
+        <pc:sldMkLst>
+          <pc:docMk/>
+          <pc:sldMk cId="2014389263" sldId="270"/>
+        </pc:sldMkLst>
+        <pc:spChg chg="add del">
+          <ac:chgData name="Florian Abraham" userId="80f79a4070e17801" providerId="LiveId" clId="{3237DADD-DD00-4A27-888E-38443FCAA999}" dt="2022-01-19T10:17:28.618" v="623" actId="478"/>
+          <ac:spMkLst>
+            <pc:docMk/>
+            <pc:sldMk cId="2014389263" sldId="270"/>
+            <ac:spMk id="3" creationId="{2DAD16C1-8AB5-45A9-9F47-B85DE73559A8}"/>
+          </ac:spMkLst>
+        </pc:spChg>
+        <pc:spChg chg="add del mod">
+          <ac:chgData name="Florian Abraham" userId="80f79a4070e17801" providerId="LiveId" clId="{3237DADD-DD00-4A27-888E-38443FCAA999}" dt="2022-01-19T10:17:23.605" v="621" actId="478"/>
+          <ac:spMkLst>
+            <pc:docMk/>
+            <pc:sldMk cId="2014389263" sldId="270"/>
+            <ac:spMk id="5" creationId="{1D5F9F62-3B63-4075-BA69-9B1487D3E8ED}"/>
+          </ac:spMkLst>
+        </pc:spChg>
+        <pc:spChg chg="add del mod">
+          <ac:chgData name="Florian Abraham" userId="80f79a4070e17801" providerId="LiveId" clId="{3237DADD-DD00-4A27-888E-38443FCAA999}" dt="2022-01-19T10:17:30.619" v="624" actId="478"/>
+          <ac:spMkLst>
+            <pc:docMk/>
+            <pc:sldMk cId="2014389263" sldId="270"/>
+            <ac:spMk id="7" creationId="{452A5AC4-3D85-4244-9013-582453B1FE24}"/>
+          </ac:spMkLst>
+        </pc:spChg>
+        <pc:spChg chg="add del mod">
+          <ac:chgData name="Florian Abraham" userId="80f79a4070e17801" providerId="LiveId" clId="{3237DADD-DD00-4A27-888E-38443FCAA999}" dt="2022-01-19T10:17:23.086" v="620"/>
+          <ac:spMkLst>
+            <pc:docMk/>
+            <pc:sldMk cId="2014389263" sldId="270"/>
+            <ac:spMk id="10" creationId="{47D1FE02-ABC6-4AC8-BC07-6B7166691455}"/>
+          </ac:spMkLst>
+        </pc:spChg>
+        <pc:spChg chg="add mod">
+          <ac:chgData name="Florian Abraham" userId="80f79a4070e17801" providerId="LiveId" clId="{3237DADD-DD00-4A27-888E-38443FCAA999}" dt="2022-01-19T10:17:45.651" v="630" actId="1036"/>
+          <ac:spMkLst>
+            <pc:docMk/>
+            <pc:sldMk cId="2014389263" sldId="270"/>
+            <ac:spMk id="11" creationId="{312F5B2E-CA3C-4CDB-84CA-8C97CE50024D}"/>
+          </ac:spMkLst>
+        </pc:spChg>
+        <pc:spChg chg="del">
+          <ac:chgData name="Florian Abraham" userId="80f79a4070e17801" providerId="LiveId" clId="{3237DADD-DD00-4A27-888E-38443FCAA999}" dt="2022-01-19T16:35:06.462" v="686"/>
+          <ac:spMkLst>
+            <pc:docMk/>
+            <pc:sldMk cId="2014389263" sldId="270"/>
+            <ac:spMk id="95" creationId="{A2679492-7988-4050-9056-542444452411}"/>
+          </ac:spMkLst>
+        </pc:spChg>
+        <pc:spChg chg="del">
+          <ac:chgData name="Florian Abraham" userId="80f79a4070e17801" providerId="LiveId" clId="{3237DADD-DD00-4A27-888E-38443FCAA999}" dt="2022-01-19T16:35:06.462" v="686"/>
+          <ac:spMkLst>
+            <pc:docMk/>
+            <pc:sldMk cId="2014389263" sldId="270"/>
+            <ac:spMk id="97" creationId="{B091B163-7D61-4891-ABCF-5C13D9C418D0}"/>
+          </ac:spMkLst>
+        </pc:spChg>
+        <pc:picChg chg="mod">
+          <ac:chgData name="Florian Abraham" userId="80f79a4070e17801" providerId="LiveId" clId="{3237DADD-DD00-4A27-888E-38443FCAA999}" dt="2022-01-19T10:17:33.820" v="626" actId="1076"/>
+          <ac:picMkLst>
+            <pc:docMk/>
+            <pc:sldMk cId="2014389263" sldId="270"/>
+            <ac:picMk id="9" creationId="{92F7502F-AD19-4523-979A-98E7D4DE6E18}"/>
+          </ac:picMkLst>
+        </pc:picChg>
+        <pc:picChg chg="add mod">
+          <ac:chgData name="Florian Abraham" userId="80f79a4070e17801" providerId="LiveId" clId="{3237DADD-DD00-4A27-888E-38443FCAA999}" dt="2022-01-19T10:17:57.165" v="632" actId="1076"/>
+          <ac:picMkLst>
+            <pc:docMk/>
+            <pc:sldMk cId="2014389263" sldId="270"/>
+            <ac:picMk id="14" creationId="{B752AB3B-B30C-470B-947E-4D3D5AA5E032}"/>
+          </ac:picMkLst>
+        </pc:picChg>
+        <pc:picChg chg="add mod">
+          <ac:chgData name="Florian Abraham" userId="80f79a4070e17801" providerId="LiveId" clId="{3237DADD-DD00-4A27-888E-38443FCAA999}" dt="2022-01-19T10:17:57.165" v="632" actId="1076"/>
+          <ac:picMkLst>
+            <pc:docMk/>
+            <pc:sldMk cId="2014389263" sldId="270"/>
+            <ac:picMk id="15" creationId="{030CE9E7-85B2-41A4-A25D-A5D2A95F190A}"/>
+          </ac:picMkLst>
+        </pc:picChg>
+        <pc:cxnChg chg="del">
+          <ac:chgData name="Florian Abraham" userId="80f79a4070e17801" providerId="LiveId" clId="{3237DADD-DD00-4A27-888E-38443FCAA999}" dt="2022-01-19T16:35:06.462" v="686"/>
+          <ac:cxnSpMkLst>
+            <pc:docMk/>
+            <pc:sldMk cId="2014389263" sldId="270"/>
+            <ac:cxnSpMk id="99" creationId="{C49DA8F6-BCC1-4447-B54C-57856834B94B}"/>
+          </ac:cxnSpMkLst>
+        </pc:cxnChg>
+      </pc:sldChg>
+    </pc:docChg>
+  </pc:docChgLst>
+</pc:chgInfo>
 </file>
 
 <file path=ppt/slideLayouts/slideLayout1.xml><?xml version="1.0" encoding="utf-8"?>
@@ -266,7 +1135,7 @@
           <a:p>
             <a:fld id="{0849DD16-109F-4C49-8F36-D6A254A1464F}" type="datetimeFigureOut">
               <a:rPr lang="en-AT" smtClean="0"/>
-              <a:t>18/01/2022</a:t>
+              <a:t>01/19/2022</a:t>
             </a:fld>
             <a:endParaRPr lang="en-AT"/>
           </a:p>
@@ -466,7 +1335,7 @@
           <a:p>
             <a:fld id="{0849DD16-109F-4C49-8F36-D6A254A1464F}" type="datetimeFigureOut">
               <a:rPr lang="en-AT" smtClean="0"/>
-              <a:t>18/01/2022</a:t>
+              <a:t>01/19/2022</a:t>
             </a:fld>
             <a:endParaRPr lang="en-AT"/>
           </a:p>
@@ -676,7 +1545,7 @@
           <a:p>
             <a:fld id="{0849DD16-109F-4C49-8F36-D6A254A1464F}" type="datetimeFigureOut">
               <a:rPr lang="en-AT" smtClean="0"/>
-              <a:t>18/01/2022</a:t>
+              <a:t>01/19/2022</a:t>
             </a:fld>
             <a:endParaRPr lang="en-AT"/>
           </a:p>
@@ -876,7 +1745,7 @@
           <a:p>
             <a:fld id="{0849DD16-109F-4C49-8F36-D6A254A1464F}" type="datetimeFigureOut">
               <a:rPr lang="en-AT" smtClean="0"/>
-              <a:t>18/01/2022</a:t>
+              <a:t>01/19/2022</a:t>
             </a:fld>
             <a:endParaRPr lang="en-AT"/>
           </a:p>
@@ -1152,7 +2021,7 @@
           <a:p>
             <a:fld id="{0849DD16-109F-4C49-8F36-D6A254A1464F}" type="datetimeFigureOut">
               <a:rPr lang="en-AT" smtClean="0"/>
-              <a:t>18/01/2022</a:t>
+              <a:t>01/19/2022</a:t>
             </a:fld>
             <a:endParaRPr lang="en-AT"/>
           </a:p>
@@ -1420,7 +2289,7 @@
           <a:p>
             <a:fld id="{0849DD16-109F-4C49-8F36-D6A254A1464F}" type="datetimeFigureOut">
               <a:rPr lang="en-AT" smtClean="0"/>
-              <a:t>18/01/2022</a:t>
+              <a:t>01/19/2022</a:t>
             </a:fld>
             <a:endParaRPr lang="en-AT"/>
           </a:p>
@@ -1835,7 +2704,7 @@
           <a:p>
             <a:fld id="{0849DD16-109F-4C49-8F36-D6A254A1464F}" type="datetimeFigureOut">
               <a:rPr lang="en-AT" smtClean="0"/>
-              <a:t>18/01/2022</a:t>
+              <a:t>01/19/2022</a:t>
             </a:fld>
             <a:endParaRPr lang="en-AT"/>
           </a:p>
@@ -1977,7 +2846,7 @@
           <a:p>
             <a:fld id="{0849DD16-109F-4C49-8F36-D6A254A1464F}" type="datetimeFigureOut">
               <a:rPr lang="en-AT" smtClean="0"/>
-              <a:t>18/01/2022</a:t>
+              <a:t>01/19/2022</a:t>
             </a:fld>
             <a:endParaRPr lang="en-AT"/>
           </a:p>
@@ -2090,7 +2959,7 @@
           <a:p>
             <a:fld id="{0849DD16-109F-4C49-8F36-D6A254A1464F}" type="datetimeFigureOut">
               <a:rPr lang="en-AT" smtClean="0"/>
-              <a:t>18/01/2022</a:t>
+              <a:t>01/19/2022</a:t>
             </a:fld>
             <a:endParaRPr lang="en-AT"/>
           </a:p>
@@ -2403,7 +3272,7 @@
           <a:p>
             <a:fld id="{0849DD16-109F-4C49-8F36-D6A254A1464F}" type="datetimeFigureOut">
               <a:rPr lang="en-AT" smtClean="0"/>
-              <a:t>18/01/2022</a:t>
+              <a:t>01/19/2022</a:t>
             </a:fld>
             <a:endParaRPr lang="en-AT"/>
           </a:p>
@@ -2692,7 +3561,7 @@
           <a:p>
             <a:fld id="{0849DD16-109F-4C49-8F36-D6A254A1464F}" type="datetimeFigureOut">
               <a:rPr lang="en-AT" smtClean="0"/>
-              <a:t>18/01/2022</a:t>
+              <a:t>01/19/2022</a:t>
             </a:fld>
             <a:endParaRPr lang="en-AT"/>
           </a:p>
@@ -2935,7 +3804,7 @@
           <a:p>
             <a:fld id="{0849DD16-109F-4C49-8F36-D6A254A1464F}" type="datetimeFigureOut">
               <a:rPr lang="en-AT" smtClean="0"/>
-              <a:t>18/01/2022</a:t>
+              <a:t>01/19/2022</a:t>
             </a:fld>
             <a:endParaRPr lang="en-AT"/>
           </a:p>
@@ -3338,6 +4207,14 @@
 <file path=ppt/slides/slide1.xml><?xml version="1.0" encoding="utf-8"?>
 <p:sld xmlns:a="http://schemas.openxmlformats.org/drawingml/2006/main" xmlns:r="http://schemas.openxmlformats.org/officeDocument/2006/relationships" xmlns:p="http://schemas.openxmlformats.org/presentationml/2006/main">
   <p:cSld>
+    <p:bg>
+      <p:bgPr>
+        <a:solidFill>
+          <a:schemeClr val="bg1"/>
+        </a:solidFill>
+        <a:effectLst/>
+      </p:bgPr>
+    </p:bg>
     <p:spTree>
       <p:nvGrpSpPr>
         <p:cNvPr id="1" name=""/>
@@ -3352,6 +4229,35 @@
           <a:chExt cx="0" cy="0"/>
         </a:xfrm>
       </p:grpSpPr>
+      <p:pic>
+        <p:nvPicPr>
+          <p:cNvPr id="99" name="Picture 98" descr="Head of bass guitar">
+            <a:extLst>
+              <a:ext uri="{FF2B5EF4-FFF2-40B4-BE49-F238E27FC236}">
+                <a16:creationId xmlns:a16="http://schemas.microsoft.com/office/drawing/2014/main" id="{AD56C9CA-83D8-436A-9D63-494E52FB9D42}"/>
+              </a:ext>
+            </a:extLst>
+          </p:cNvPr>
+          <p:cNvPicPr>
+            <a:picLocks noChangeAspect="1"/>
+          </p:cNvPicPr>
+          <p:nvPr/>
+        </p:nvPicPr>
+        <p:blipFill rotWithShape="1">
+          <a:blip r:embed="rId2"/>
+          <a:srcRect t="5604" b="9490"/>
+          <a:stretch/>
+        </p:blipFill>
+        <p:spPr>
+          <a:xfrm>
+            <a:off x="-3047" y="10"/>
+            <a:ext cx="12191999" cy="6857990"/>
+          </a:xfrm>
+          <a:prstGeom prst="rect">
+            <a:avLst/>
+          </a:prstGeom>
+        </p:spPr>
+      </p:pic>
       <p:sp>
         <p:nvSpPr>
           <p:cNvPr id="2" name="Title 1">
@@ -3368,16 +4274,38 @@
             <p:ph type="ctrTitle"/>
           </p:nvPr>
         </p:nvSpPr>
-        <p:spPr/>
-        <p:txBody>
-          <a:bodyPr/>
+        <p:spPr>
+          <a:xfrm>
+            <a:off x="1097280" y="325550"/>
+            <a:ext cx="10058400" cy="3574778"/>
+          </a:xfrm>
+          <a:effectLst>
+            <a:outerShdw blurRad="50800" dist="38100" dir="2700000" algn="tl" rotWithShape="0">
+              <a:prstClr val="black">
+                <a:alpha val="40000"/>
+              </a:prstClr>
+            </a:outerShdw>
+          </a:effectLst>
+        </p:spPr>
+        <p:txBody>
+          <a:bodyPr>
+            <a:normAutofit/>
+          </a:bodyPr>
           <a:lstStyle/>
           <a:p>
             <a:r>
-              <a:rPr lang="en-US" dirty="0"/>
-              <a:t>MIDI Mining</a:t>
-            </a:r>
-            <a:endParaRPr lang="en-AT" dirty="0"/>
+              <a:rPr lang="en-US" sz="5200">
+                <a:solidFill>
+                  <a:srgbClr val="FFFFFF"/>
+                </a:solidFill>
+              </a:rPr>
+              <a:t>Music Mining</a:t>
+            </a:r>
+            <a:endParaRPr lang="en-AT" sz="5200">
+              <a:solidFill>
+                <a:srgbClr val="FFFFFF"/>
+              </a:solidFill>
+            </a:endParaRPr>
           </a:p>
         </p:txBody>
       </p:sp>
@@ -3397,16 +4325,38 @@
             <p:ph type="subTitle" idx="1"/>
           </p:nvPr>
         </p:nvSpPr>
-        <p:spPr/>
-        <p:txBody>
-          <a:bodyPr/>
+        <p:spPr>
+          <a:xfrm>
+            <a:off x="1100051" y="4072043"/>
+            <a:ext cx="10058400" cy="1282707"/>
+          </a:xfrm>
+          <a:effectLst>
+            <a:outerShdw blurRad="50800" dist="38100" dir="2700000" algn="tl" rotWithShape="0">
+              <a:prstClr val="black">
+                <a:alpha val="40000"/>
+              </a:prstClr>
+            </a:outerShdw>
+          </a:effectLst>
+        </p:spPr>
+        <p:txBody>
+          <a:bodyPr>
+            <a:normAutofit/>
+          </a:bodyPr>
           <a:lstStyle/>
           <a:p>
             <a:r>
-              <a:rPr lang="en-US" dirty="0"/>
+              <a:rPr lang="en-US">
+                <a:solidFill>
+                  <a:srgbClr val="FFFFFF"/>
+                </a:solidFill>
+              </a:rPr>
               <a:t>Abraham, Baumgartner002, Preiser</a:t>
             </a:r>
-            <a:endParaRPr lang="en-AT" dirty="0"/>
+            <a:endParaRPr lang="en-AT">
+              <a:solidFill>
+                <a:srgbClr val="FFFFFF"/>
+              </a:solidFill>
+            </a:endParaRPr>
           </a:p>
         </p:txBody>
       </p:sp>
@@ -3420,6 +4370,145 @@
   <p:clrMapOvr>
     <a:masterClrMapping/>
   </p:clrMapOvr>
+  <p:timing>
+    <p:tnLst>
+      <p:par>
+        <p:cTn id="1" dur="indefinite" restart="never" nodeType="tmRoot">
+          <p:childTnLst>
+            <p:seq concurrent="1" nextAc="seek">
+              <p:cTn id="2" dur="indefinite" nodeType="mainSeq">
+                <p:childTnLst>
+                  <p:par>
+                    <p:cTn id="3" fill="hold">
+                      <p:stCondLst>
+                        <p:cond delay="indefinite"/>
+                        <p:cond evt="onBegin" delay="0">
+                          <p:tn val="2"/>
+                        </p:cond>
+                      </p:stCondLst>
+                      <p:childTnLst>
+                        <p:par>
+                          <p:cTn id="4" fill="hold">
+                            <p:stCondLst>
+                              <p:cond delay="0"/>
+                            </p:stCondLst>
+                            <p:childTnLst>
+                              <p:par>
+                                <p:cTn id="5" presetID="10" presetClass="entr" presetSubtype="0" fill="hold" grpId="0" nodeType="withEffect">
+                                  <p:stCondLst>
+                                    <p:cond delay="1000"/>
+                                  </p:stCondLst>
+                                  <p:iterate>
+                                    <p:tmPct val="10000"/>
+                                  </p:iterate>
+                                  <p:childTnLst>
+                                    <p:set>
+                                      <p:cBhvr>
+                                        <p:cTn id="6" dur="1" fill="hold">
+                                          <p:stCondLst>
+                                            <p:cond delay="0"/>
+                                          </p:stCondLst>
+                                        </p:cTn>
+                                        <p:tgtEl>
+                                          <p:spTgt spid="3">
+                                            <p:txEl>
+                                              <p:pRg st="0" end="0"/>
+                                            </p:txEl>
+                                          </p:spTgt>
+                                        </p:tgtEl>
+                                        <p:attrNameLst>
+                                          <p:attrName>style.visibility</p:attrName>
+                                        </p:attrNameLst>
+                                      </p:cBhvr>
+                                      <p:to>
+                                        <p:strVal val="visible"/>
+                                      </p:to>
+                                    </p:set>
+                                    <p:animEffect transition="in" filter="fade">
+                                      <p:cBhvr>
+                                        <p:cTn id="7" dur="700"/>
+                                        <p:tgtEl>
+                                          <p:spTgt spid="3">
+                                            <p:txEl>
+                                              <p:pRg st="0" end="0"/>
+                                            </p:txEl>
+                                          </p:spTgt>
+                                        </p:tgtEl>
+                                      </p:cBhvr>
+                                    </p:animEffect>
+                                  </p:childTnLst>
+                                </p:cTn>
+                              </p:par>
+                              <p:par>
+                                <p:cTn id="8" presetID="10" presetClass="entr" presetSubtype="0" fill="hold" grpId="0" nodeType="withEffect">
+                                  <p:stCondLst>
+                                    <p:cond delay="500"/>
+                                  </p:stCondLst>
+                                  <p:iterate>
+                                    <p:tmPct val="10000"/>
+                                  </p:iterate>
+                                  <p:childTnLst>
+                                    <p:set>
+                                      <p:cBhvr>
+                                        <p:cTn id="9" dur="1" fill="hold">
+                                          <p:stCondLst>
+                                            <p:cond delay="0"/>
+                                          </p:stCondLst>
+                                        </p:cTn>
+                                        <p:tgtEl>
+                                          <p:spTgt spid="2"/>
+                                        </p:tgtEl>
+                                        <p:attrNameLst>
+                                          <p:attrName>style.visibility</p:attrName>
+                                        </p:attrNameLst>
+                                      </p:cBhvr>
+                                      <p:to>
+                                        <p:strVal val="visible"/>
+                                      </p:to>
+                                    </p:set>
+                                    <p:animEffect transition="in" filter="fade">
+                                      <p:cBhvr>
+                                        <p:cTn id="10" dur="700"/>
+                                        <p:tgtEl>
+                                          <p:spTgt spid="2"/>
+                                        </p:tgtEl>
+                                      </p:cBhvr>
+                                    </p:animEffect>
+                                  </p:childTnLst>
+                                </p:cTn>
+                              </p:par>
+                            </p:childTnLst>
+                          </p:cTn>
+                        </p:par>
+                      </p:childTnLst>
+                    </p:cTn>
+                  </p:par>
+                </p:childTnLst>
+              </p:cTn>
+              <p:prevCondLst>
+                <p:cond evt="onPrev" delay="0">
+                  <p:tgtEl>
+                    <p:sldTgt/>
+                  </p:tgtEl>
+                </p:cond>
+              </p:prevCondLst>
+              <p:nextCondLst>
+                <p:cond evt="onNext" delay="0">
+                  <p:tgtEl>
+                    <p:sldTgt/>
+                  </p:tgtEl>
+                </p:cond>
+              </p:nextCondLst>
+            </p:seq>
+          </p:childTnLst>
+        </p:cTn>
+      </p:par>
+    </p:tnLst>
+    <p:bldLst>
+      <p:bldP spid="2" grpId="0"/>
+      <p:bldP spid="3" grpId="0" build="p"/>
+    </p:bldLst>
+  </p:timing>
 </p:sld>
 </file>
 
@@ -3445,7 +4534,7 @@
           <p:cNvPr id="2" name="Title 1">
             <a:extLst>
               <a:ext uri="{FF2B5EF4-FFF2-40B4-BE49-F238E27FC236}">
-                <a16:creationId xmlns:a16="http://schemas.microsoft.com/office/drawing/2014/main" id="{38801550-3A2A-4992-87F2-7F68C3F682EA}"/>
+                <a16:creationId xmlns:a16="http://schemas.microsoft.com/office/drawing/2014/main" id="{956437B0-9521-4845-AB30-C6842A17A6DC}"/>
               </a:ext>
             </a:extLst>
           </p:cNvPr>
@@ -3463,7 +4552,7 @@
           <a:p>
             <a:r>
               <a:rPr lang="en-US" dirty="0"/>
-              <a:t>Classic</a:t>
+              <a:t>Hip-Hop/Electro</a:t>
             </a:r>
             <a:endParaRPr lang="en-AT" dirty="0"/>
           </a:p>
@@ -3474,7 +4563,7 @@
           <p:cNvPr id="3" name="Content Placeholder 2">
             <a:extLst>
               <a:ext uri="{FF2B5EF4-FFF2-40B4-BE49-F238E27FC236}">
-                <a16:creationId xmlns:a16="http://schemas.microsoft.com/office/drawing/2014/main" id="{6D09E0EE-0FC8-42E4-8BF3-05491254F787}"/>
+                <a16:creationId xmlns:a16="http://schemas.microsoft.com/office/drawing/2014/main" id="{6E9EA587-D840-418A-9ACE-0D65B4F23994}"/>
               </a:ext>
             </a:extLst>
           </p:cNvPr>
@@ -3518,9 +4607,6 @@
               <a:rPr lang="en-US" dirty="0" err="1"/>
               <a:t>stehen</a:t>
             </a:r>
-            <a:endParaRPr lang="en-AT" dirty="0"/>
-          </a:p>
-          <a:p>
             <a:endParaRPr lang="en-AT" dirty="0"/>
           </a:p>
         </p:txBody>
@@ -3528,7 +4614,7 @@
     </p:spTree>
     <p:extLst>
       <p:ext uri="{BB962C8B-B14F-4D97-AF65-F5344CB8AC3E}">
-        <p14:creationId xmlns:p14="http://schemas.microsoft.com/office/powerpoint/2010/main" val="3852468479"/>
+        <p14:creationId xmlns:p14="http://schemas.microsoft.com/office/powerpoint/2010/main" val="3287765823"/>
       </p:ext>
     </p:extLst>
   </p:cSld>
@@ -3560,6 +4646,121 @@
           <p:cNvPr id="2" name="Title 1">
             <a:extLst>
               <a:ext uri="{FF2B5EF4-FFF2-40B4-BE49-F238E27FC236}">
+                <a16:creationId xmlns:a16="http://schemas.microsoft.com/office/drawing/2014/main" id="{38801550-3A2A-4992-87F2-7F68C3F682EA}"/>
+              </a:ext>
+            </a:extLst>
+          </p:cNvPr>
+          <p:cNvSpPr>
+            <a:spLocks noGrp="1"/>
+          </p:cNvSpPr>
+          <p:nvPr>
+            <p:ph type="title"/>
+          </p:nvPr>
+        </p:nvSpPr>
+        <p:spPr/>
+        <p:txBody>
+          <a:bodyPr/>
+          <a:lstStyle/>
+          <a:p>
+            <a:r>
+              <a:rPr lang="en-US" dirty="0"/>
+              <a:t>Classic</a:t>
+            </a:r>
+            <a:endParaRPr lang="en-AT" dirty="0"/>
+          </a:p>
+        </p:txBody>
+      </p:sp>
+      <p:sp>
+        <p:nvSpPr>
+          <p:cNvPr id="3" name="Content Placeholder 2">
+            <a:extLst>
+              <a:ext uri="{FF2B5EF4-FFF2-40B4-BE49-F238E27FC236}">
+                <a16:creationId xmlns:a16="http://schemas.microsoft.com/office/drawing/2014/main" id="{6D09E0EE-0FC8-42E4-8BF3-05491254F787}"/>
+              </a:ext>
+            </a:extLst>
+          </p:cNvPr>
+          <p:cNvSpPr>
+            <a:spLocks noGrp="1"/>
+          </p:cNvSpPr>
+          <p:nvPr>
+            <p:ph idx="1"/>
+          </p:nvPr>
+        </p:nvSpPr>
+        <p:spPr/>
+        <p:txBody>
+          <a:bodyPr/>
+          <a:lstStyle/>
+          <a:p>
+            <a:r>
+              <a:rPr lang="en-US" dirty="0" err="1"/>
+              <a:t>Hier</a:t>
+            </a:r>
+            <a:r>
+              <a:rPr lang="en-US" dirty="0"/>
+              <a:t> </a:t>
+            </a:r>
+            <a:r>
+              <a:rPr lang="en-US" dirty="0" err="1"/>
+              <a:t>könnte</a:t>
+            </a:r>
+            <a:r>
+              <a:rPr lang="en-US" dirty="0"/>
+              <a:t> </a:t>
+            </a:r>
+            <a:r>
+              <a:rPr lang="en-US" dirty="0" err="1"/>
+              <a:t>Ihr</a:t>
+            </a:r>
+            <a:r>
+              <a:rPr lang="en-US" dirty="0"/>
+              <a:t> DFG </a:t>
+            </a:r>
+            <a:r>
+              <a:rPr lang="en-US" dirty="0" err="1"/>
+              <a:t>stehen</a:t>
+            </a:r>
+            <a:endParaRPr lang="en-AT" dirty="0"/>
+          </a:p>
+          <a:p>
+            <a:endParaRPr lang="en-AT" dirty="0"/>
+          </a:p>
+        </p:txBody>
+      </p:sp>
+    </p:spTree>
+    <p:extLst>
+      <p:ext uri="{BB962C8B-B14F-4D97-AF65-F5344CB8AC3E}">
+        <p14:creationId xmlns:p14="http://schemas.microsoft.com/office/powerpoint/2010/main" val="3852468479"/>
+      </p:ext>
+    </p:extLst>
+  </p:cSld>
+  <p:clrMapOvr>
+    <a:masterClrMapping/>
+  </p:clrMapOvr>
+</p:sld>
+</file>
+
+<file path=ppt/slides/slide12.xml><?xml version="1.0" encoding="utf-8"?>
+<p:sld xmlns:a="http://schemas.openxmlformats.org/drawingml/2006/main" xmlns:r="http://schemas.openxmlformats.org/officeDocument/2006/relationships" xmlns:p="http://schemas.openxmlformats.org/presentationml/2006/main">
+  <p:cSld>
+    <p:spTree>
+      <p:nvGrpSpPr>
+        <p:cNvPr id="1" name=""/>
+        <p:cNvGrpSpPr/>
+        <p:nvPr/>
+      </p:nvGrpSpPr>
+      <p:grpSpPr>
+        <a:xfrm>
+          <a:off x="0" y="0"/>
+          <a:ext cx="0" cy="0"/>
+          <a:chOff x="0" y="0"/>
+          <a:chExt cx="0" cy="0"/>
+        </a:xfrm>
+      </p:grpSpPr>
+      <p:sp>
+        <p:nvSpPr>
+          <p:cNvPr id="2" name="Title 1">
+            <a:extLst>
+              <a:ext uri="{FF2B5EF4-FFF2-40B4-BE49-F238E27FC236}">
                 <a16:creationId xmlns:a16="http://schemas.microsoft.com/office/drawing/2014/main" id="{8BD3E2D9-40ED-44E8-9C56-74E7CFBF5B42}"/>
               </a:ext>
             </a:extLst>
@@ -3644,6 +4845,102 @@
     <p:extLst>
       <p:ext uri="{BB962C8B-B14F-4D97-AF65-F5344CB8AC3E}">
         <p14:creationId xmlns:p14="http://schemas.microsoft.com/office/powerpoint/2010/main" val="2849264222"/>
+      </p:ext>
+    </p:extLst>
+  </p:cSld>
+  <p:clrMapOvr>
+    <a:masterClrMapping/>
+  </p:clrMapOvr>
+</p:sld>
+</file>
+
+<file path=ppt/slides/slide13.xml><?xml version="1.0" encoding="utf-8"?>
+<p:sld xmlns:a="http://schemas.openxmlformats.org/drawingml/2006/main" xmlns:r="http://schemas.openxmlformats.org/officeDocument/2006/relationships" xmlns:p="http://schemas.openxmlformats.org/presentationml/2006/main">
+  <p:cSld>
+    <p:spTree>
+      <p:nvGrpSpPr>
+        <p:cNvPr id="1" name=""/>
+        <p:cNvGrpSpPr/>
+        <p:nvPr/>
+      </p:nvGrpSpPr>
+      <p:grpSpPr>
+        <a:xfrm>
+          <a:off x="0" y="0"/>
+          <a:ext cx="0" cy="0"/>
+          <a:chOff x="0" y="0"/>
+          <a:chExt cx="0" cy="0"/>
+        </a:xfrm>
+      </p:grpSpPr>
+      <p:sp>
+        <p:nvSpPr>
+          <p:cNvPr id="2" name="Title 1">
+            <a:extLst>
+              <a:ext uri="{FF2B5EF4-FFF2-40B4-BE49-F238E27FC236}">
+                <a16:creationId xmlns:a16="http://schemas.microsoft.com/office/drawing/2014/main" id="{2E53DDFB-41E1-410E-B458-5A5B56A703ED}"/>
+              </a:ext>
+            </a:extLst>
+          </p:cNvPr>
+          <p:cNvSpPr>
+            <a:spLocks noGrp="1"/>
+          </p:cNvSpPr>
+          <p:nvPr>
+            <p:ph type="title"/>
+          </p:nvPr>
+        </p:nvSpPr>
+        <p:spPr/>
+        <p:txBody>
+          <a:bodyPr/>
+          <a:lstStyle/>
+          <a:p>
+            <a:r>
+              <a:rPr lang="de-AT" dirty="0"/>
+              <a:t>3 </a:t>
+            </a:r>
+            <a:r>
+              <a:rPr lang="de-AT" dirty="0" err="1"/>
+              <a:t>Lessons</a:t>
+            </a:r>
+            <a:r>
+              <a:rPr lang="de-AT" dirty="0"/>
+              <a:t> </a:t>
+            </a:r>
+            <a:r>
+              <a:rPr lang="de-AT" dirty="0" err="1"/>
+              <a:t>Learned</a:t>
+            </a:r>
+            <a:endParaRPr lang="de-AT" dirty="0"/>
+          </a:p>
+        </p:txBody>
+      </p:sp>
+      <p:sp>
+        <p:nvSpPr>
+          <p:cNvPr id="3" name="Content Placeholder 2">
+            <a:extLst>
+              <a:ext uri="{FF2B5EF4-FFF2-40B4-BE49-F238E27FC236}">
+                <a16:creationId xmlns:a16="http://schemas.microsoft.com/office/drawing/2014/main" id="{5FF908C4-BB4F-4AEC-B8CA-0842A8BAA270}"/>
+              </a:ext>
+            </a:extLst>
+          </p:cNvPr>
+          <p:cNvSpPr>
+            <a:spLocks noGrp="1"/>
+          </p:cNvSpPr>
+          <p:nvPr>
+            <p:ph idx="1"/>
+          </p:nvPr>
+        </p:nvSpPr>
+        <p:spPr/>
+        <p:txBody>
+          <a:bodyPr/>
+          <a:lstStyle/>
+          <a:p>
+            <a:endParaRPr lang="de-AT"/>
+          </a:p>
+        </p:txBody>
+      </p:sp>
+    </p:spTree>
+    <p:extLst>
+      <p:ext uri="{BB962C8B-B14F-4D97-AF65-F5344CB8AC3E}">
+        <p14:creationId xmlns:p14="http://schemas.microsoft.com/office/powerpoint/2010/main" val="2961373261"/>
       </p:ext>
     </p:extLst>
   </p:cSld>
@@ -3861,6 +5158,14 @@
 <file path=ppt/slides/slide3.xml><?xml version="1.0" encoding="utf-8"?>
 <p:sld xmlns:a="http://schemas.openxmlformats.org/drawingml/2006/main" xmlns:r="http://schemas.openxmlformats.org/officeDocument/2006/relationships" xmlns:p="http://schemas.openxmlformats.org/presentationml/2006/main">
   <p:cSld>
+    <p:bg>
+      <p:bgPr>
+        <a:solidFill>
+          <a:schemeClr val="bg1"/>
+        </a:solidFill>
+        <a:effectLst/>
+      </p:bgPr>
+    </p:bg>
     <p:spTree>
       <p:nvGrpSpPr>
         <p:cNvPr id="1" name=""/>
@@ -3880,7 +5185,7 @@
           <p:cNvPr id="2" name="Title 1">
             <a:extLst>
               <a:ext uri="{FF2B5EF4-FFF2-40B4-BE49-F238E27FC236}">
-                <a16:creationId xmlns:a16="http://schemas.microsoft.com/office/drawing/2014/main" id="{E1CA1968-7540-4C53-943F-8FAB2BDFBA31}"/>
+                <a16:creationId xmlns:a16="http://schemas.microsoft.com/office/drawing/2014/main" id="{A80C63CD-E596-4C34-80CB-E29FEE5410EF}"/>
               </a:ext>
             </a:extLst>
           </p:cNvPr>
@@ -3891,25 +5196,32 @@
             <p:ph type="title"/>
           </p:nvPr>
         </p:nvSpPr>
-        <p:spPr/>
-        <p:txBody>
-          <a:bodyPr/>
+        <p:spPr>
+          <a:xfrm>
+            <a:off x="648929" y="557190"/>
+            <a:ext cx="5181510" cy="1671569"/>
+          </a:xfrm>
+        </p:spPr>
+        <p:txBody>
+          <a:bodyPr>
+            <a:normAutofit/>
+          </a:bodyPr>
           <a:lstStyle/>
           <a:p>
             <a:r>
-              <a:rPr lang="en-US" dirty="0"/>
+              <a:rPr lang="en-US" sz="4000"/>
               <a:t>What are MIDI Files</a:t>
             </a:r>
-            <a:endParaRPr lang="en-AT" dirty="0"/>
-          </a:p>
-        </p:txBody>
-      </p:sp>
-      <p:sp>
-        <p:nvSpPr>
-          <p:cNvPr id="3" name="Content Placeholder 2">
-            <a:extLst>
-              <a:ext uri="{FF2B5EF4-FFF2-40B4-BE49-F238E27FC236}">
-                <a16:creationId xmlns:a16="http://schemas.microsoft.com/office/drawing/2014/main" id="{9CFB07AA-BC47-4A86-BE77-4576373AC739}"/>
+            <a:endParaRPr lang="en-AT" sz="4000"/>
+          </a:p>
+        </p:txBody>
+      </p:sp>
+      <p:sp>
+        <p:nvSpPr>
+          <p:cNvPr id="3" name="Subtitle 2">
+            <a:extLst>
+              <a:ext uri="{FF2B5EF4-FFF2-40B4-BE49-F238E27FC236}">
+                <a16:creationId xmlns:a16="http://schemas.microsoft.com/office/drawing/2014/main" id="{2DAD16C1-8AB5-45A9-9F47-B85DE73559A8}"/>
               </a:ext>
             </a:extLst>
           </p:cNvPr>
@@ -3920,35 +5232,627 @@
             <p:ph idx="1"/>
           </p:nvPr>
         </p:nvSpPr>
-        <p:spPr/>
-        <p:txBody>
-          <a:bodyPr/>
+        <p:spPr>
+          <a:xfrm>
+            <a:off x="648930" y="2406650"/>
+            <a:ext cx="5181508" cy="3722438"/>
+          </a:xfrm>
+        </p:spPr>
+        <p:txBody>
+          <a:bodyPr>
+            <a:normAutofit/>
+          </a:bodyPr>
           <a:lstStyle/>
           <a:p>
-            <a:r>
-              <a:rPr lang="en-US" dirty="0"/>
-              <a:t>?</a:t>
-            </a:r>
-            <a:endParaRPr lang="en-AT" dirty="0"/>
-          </a:p>
-        </p:txBody>
-      </p:sp>
+            <a:pPr>
+              <a:buFont typeface="Wingdings" panose="05000000000000000000" pitchFamily="2" charset="2"/>
+              <a:buChar char="§"/>
+            </a:pPr>
+            <a:r>
+              <a:rPr lang="en-US" sz="2000"/>
+              <a:t>Music files for nerds</a:t>
+            </a:r>
+          </a:p>
+          <a:p>
+            <a:pPr>
+              <a:buFont typeface="Wingdings" panose="05000000000000000000" pitchFamily="2" charset="2"/>
+              <a:buChar char="§"/>
+            </a:pPr>
+            <a:endParaRPr lang="en-US" sz="2000"/>
+          </a:p>
+          <a:p>
+            <a:pPr>
+              <a:buFont typeface="Wingdings" panose="05000000000000000000" pitchFamily="2" charset="2"/>
+              <a:buChar char="§"/>
+            </a:pPr>
+            <a:r>
+              <a:rPr lang="en-US" sz="2000"/>
+              <a:t>Don’t contain music – only data</a:t>
+            </a:r>
+          </a:p>
+          <a:p>
+            <a:pPr>
+              <a:buFont typeface="Wingdings" panose="05000000000000000000" pitchFamily="2" charset="2"/>
+              <a:buChar char="§"/>
+            </a:pPr>
+            <a:endParaRPr lang="en-US" sz="2000"/>
+          </a:p>
+          <a:p>
+            <a:pPr>
+              <a:buFont typeface="Wingdings" panose="05000000000000000000" pitchFamily="2" charset="2"/>
+              <a:buChar char="§"/>
+            </a:pPr>
+            <a:r>
+              <a:rPr lang="en-US" sz="2000"/>
+              <a:t>Describe what notes are played </a:t>
+            </a:r>
+          </a:p>
+          <a:p>
+            <a:pPr lvl="1">
+              <a:buFont typeface="Wingdings" panose="05000000000000000000" pitchFamily="2" charset="2"/>
+              <a:buChar char="§"/>
+            </a:pPr>
+            <a:r>
+              <a:rPr lang="en-US" sz="2000"/>
+              <a:t>when</a:t>
+            </a:r>
+          </a:p>
+          <a:p>
+            <a:pPr lvl="1">
+              <a:buFont typeface="Wingdings" panose="05000000000000000000" pitchFamily="2" charset="2"/>
+              <a:buChar char="§"/>
+            </a:pPr>
+            <a:r>
+              <a:rPr lang="en-US" sz="2000"/>
+              <a:t>how </a:t>
+            </a:r>
+          </a:p>
+          <a:p>
+            <a:pPr lvl="1">
+              <a:buFont typeface="Wingdings" panose="05000000000000000000" pitchFamily="2" charset="2"/>
+              <a:buChar char="§"/>
+            </a:pPr>
+            <a:r>
+              <a:rPr lang="en-US" sz="2000"/>
+              <a:t>how long</a:t>
+            </a:r>
+          </a:p>
+          <a:p>
+            <a:endParaRPr lang="en-US" sz="2000"/>
+          </a:p>
+          <a:p>
+            <a:endParaRPr lang="en-AT" sz="2000"/>
+          </a:p>
+        </p:txBody>
+      </p:sp>
+      <p:pic>
+        <p:nvPicPr>
+          <p:cNvPr id="9" name="Picture 8" descr="A snowy road with trees on either side of it&#10;&#10;Description automatically generated with medium confidence">
+            <a:extLst>
+              <a:ext uri="{FF2B5EF4-FFF2-40B4-BE49-F238E27FC236}">
+                <a16:creationId xmlns:a16="http://schemas.microsoft.com/office/drawing/2014/main" id="{92F7502F-AD19-4523-979A-98E7D4DE6E18}"/>
+              </a:ext>
+            </a:extLst>
+          </p:cNvPr>
+          <p:cNvPicPr>
+            <a:picLocks noChangeAspect="1"/>
+          </p:cNvPicPr>
+          <p:nvPr/>
+        </p:nvPicPr>
+        <p:blipFill rotWithShape="1">
+          <a:blip r:embed="rId2">
+            <a:extLst>
+              <a:ext uri="{28A0092B-C50C-407E-A947-70E740481C1C}">
+                <a14:useLocalDpi xmlns:a14="http://schemas.microsoft.com/office/drawing/2010/main" val="0"/>
+              </a:ext>
+            </a:extLst>
+          </a:blip>
+          <a:srcRect t="6360" r="2" b="17383"/>
+          <a:stretch/>
+        </p:blipFill>
+        <p:spPr>
+          <a:xfrm>
+            <a:off x="6189155" y="10"/>
+            <a:ext cx="6002844" cy="6857990"/>
+          </a:xfrm>
+          <a:prstGeom prst="rect">
+            <a:avLst/>
+          </a:prstGeom>
+          <a:effectLst/>
+        </p:spPr>
+      </p:pic>
     </p:spTree>
     <p:extLst>
       <p:ext uri="{BB962C8B-B14F-4D97-AF65-F5344CB8AC3E}">
-        <p14:creationId xmlns:p14="http://schemas.microsoft.com/office/powerpoint/2010/main" val="1165377620"/>
+        <p14:creationId xmlns:p14="http://schemas.microsoft.com/office/powerpoint/2010/main" val="2676300202"/>
       </p:ext>
     </p:extLst>
   </p:cSld>
   <p:clrMapOvr>
     <a:masterClrMapping/>
   </p:clrMapOvr>
+  <p:timing>
+    <p:tnLst>
+      <p:par>
+        <p:cTn id="1" dur="indefinite" restart="never" nodeType="tmRoot">
+          <p:childTnLst>
+            <p:seq concurrent="1" nextAc="seek">
+              <p:cTn id="2" dur="indefinite" nodeType="mainSeq">
+                <p:childTnLst>
+                  <p:par>
+                    <p:cTn id="3" fill="hold">
+                      <p:stCondLst>
+                        <p:cond delay="indefinite"/>
+                        <p:cond evt="onBegin" delay="0">
+                          <p:tn val="2"/>
+                        </p:cond>
+                      </p:stCondLst>
+                      <p:childTnLst>
+                        <p:par>
+                          <p:cTn id="4" fill="hold">
+                            <p:stCondLst>
+                              <p:cond delay="0"/>
+                            </p:stCondLst>
+                            <p:childTnLst>
+                              <p:par>
+                                <p:cTn id="5" presetID="10" presetClass="entr" presetSubtype="0" fill="hold" grpId="0" nodeType="withEffect">
+                                  <p:stCondLst>
+                                    <p:cond delay="0"/>
+                                  </p:stCondLst>
+                                  <p:iterate>
+                                    <p:tmPct val="10000"/>
+                                  </p:iterate>
+                                  <p:childTnLst>
+                                    <p:set>
+                                      <p:cBhvr>
+                                        <p:cTn id="6" dur="1" fill="hold">
+                                          <p:stCondLst>
+                                            <p:cond delay="0"/>
+                                          </p:stCondLst>
+                                        </p:cTn>
+                                        <p:tgtEl>
+                                          <p:spTgt spid="2"/>
+                                        </p:tgtEl>
+                                        <p:attrNameLst>
+                                          <p:attrName>style.visibility</p:attrName>
+                                        </p:attrNameLst>
+                                      </p:cBhvr>
+                                      <p:to>
+                                        <p:strVal val="visible"/>
+                                      </p:to>
+                                    </p:set>
+                                    <p:animEffect transition="in" filter="fade">
+                                      <p:cBhvr>
+                                        <p:cTn id="7" dur="700"/>
+                                        <p:tgtEl>
+                                          <p:spTgt spid="2"/>
+                                        </p:tgtEl>
+                                      </p:cBhvr>
+                                    </p:animEffect>
+                                  </p:childTnLst>
+                                </p:cTn>
+                              </p:par>
+                            </p:childTnLst>
+                          </p:cTn>
+                        </p:par>
+                      </p:childTnLst>
+                    </p:cTn>
+                  </p:par>
+                  <p:par>
+                    <p:cTn id="8" fill="hold">
+                      <p:stCondLst>
+                        <p:cond delay="indefinite"/>
+                      </p:stCondLst>
+                      <p:childTnLst>
+                        <p:par>
+                          <p:cTn id="9" fill="hold">
+                            <p:stCondLst>
+                              <p:cond delay="0"/>
+                            </p:stCondLst>
+                            <p:childTnLst>
+                              <p:par>
+                                <p:cTn id="10" presetID="10" presetClass="entr" presetSubtype="0" fill="hold" grpId="0" nodeType="clickEffect">
+                                  <p:stCondLst>
+                                    <p:cond delay="0"/>
+                                  </p:stCondLst>
+                                  <p:iterate>
+                                    <p:tmPct val="10000"/>
+                                  </p:iterate>
+                                  <p:childTnLst>
+                                    <p:set>
+                                      <p:cBhvr>
+                                        <p:cTn id="11" dur="1" fill="hold">
+                                          <p:stCondLst>
+                                            <p:cond delay="0"/>
+                                          </p:stCondLst>
+                                        </p:cTn>
+                                        <p:tgtEl>
+                                          <p:spTgt spid="3">
+                                            <p:txEl>
+                                              <p:pRg st="0" end="0"/>
+                                            </p:txEl>
+                                          </p:spTgt>
+                                        </p:tgtEl>
+                                        <p:attrNameLst>
+                                          <p:attrName>style.visibility</p:attrName>
+                                        </p:attrNameLst>
+                                      </p:cBhvr>
+                                      <p:to>
+                                        <p:strVal val="visible"/>
+                                      </p:to>
+                                    </p:set>
+                                    <p:animEffect transition="in" filter="fade">
+                                      <p:cBhvr>
+                                        <p:cTn id="12" dur="700"/>
+                                        <p:tgtEl>
+                                          <p:spTgt spid="3">
+                                            <p:txEl>
+                                              <p:pRg st="0" end="0"/>
+                                            </p:txEl>
+                                          </p:spTgt>
+                                        </p:tgtEl>
+                                      </p:cBhvr>
+                                    </p:animEffect>
+                                  </p:childTnLst>
+                                </p:cTn>
+                              </p:par>
+                            </p:childTnLst>
+                          </p:cTn>
+                        </p:par>
+                      </p:childTnLst>
+                    </p:cTn>
+                  </p:par>
+                  <p:par>
+                    <p:cTn id="13" fill="hold">
+                      <p:stCondLst>
+                        <p:cond delay="indefinite"/>
+                      </p:stCondLst>
+                      <p:childTnLst>
+                        <p:par>
+                          <p:cTn id="14" fill="hold">
+                            <p:stCondLst>
+                              <p:cond delay="0"/>
+                            </p:stCondLst>
+                            <p:childTnLst>
+                              <p:par>
+                                <p:cTn id="15" presetID="10" presetClass="entr" presetSubtype="0" fill="hold" grpId="0" nodeType="clickEffect">
+                                  <p:stCondLst>
+                                    <p:cond delay="0"/>
+                                  </p:stCondLst>
+                                  <p:iterate>
+                                    <p:tmPct val="10000"/>
+                                  </p:iterate>
+                                  <p:childTnLst>
+                                    <p:set>
+                                      <p:cBhvr>
+                                        <p:cTn id="16" dur="1" fill="hold">
+                                          <p:stCondLst>
+                                            <p:cond delay="0"/>
+                                          </p:stCondLst>
+                                        </p:cTn>
+                                        <p:tgtEl>
+                                          <p:spTgt spid="3">
+                                            <p:txEl>
+                                              <p:pRg st="2" end="2"/>
+                                            </p:txEl>
+                                          </p:spTgt>
+                                        </p:tgtEl>
+                                        <p:attrNameLst>
+                                          <p:attrName>style.visibility</p:attrName>
+                                        </p:attrNameLst>
+                                      </p:cBhvr>
+                                      <p:to>
+                                        <p:strVal val="visible"/>
+                                      </p:to>
+                                    </p:set>
+                                    <p:animEffect transition="in" filter="fade">
+                                      <p:cBhvr>
+                                        <p:cTn id="17" dur="700"/>
+                                        <p:tgtEl>
+                                          <p:spTgt spid="3">
+                                            <p:txEl>
+                                              <p:pRg st="2" end="2"/>
+                                            </p:txEl>
+                                          </p:spTgt>
+                                        </p:tgtEl>
+                                      </p:cBhvr>
+                                    </p:animEffect>
+                                  </p:childTnLst>
+                                </p:cTn>
+                              </p:par>
+                            </p:childTnLst>
+                          </p:cTn>
+                        </p:par>
+                      </p:childTnLst>
+                    </p:cTn>
+                  </p:par>
+                  <p:par>
+                    <p:cTn id="18" fill="hold">
+                      <p:stCondLst>
+                        <p:cond delay="indefinite"/>
+                      </p:stCondLst>
+                      <p:childTnLst>
+                        <p:par>
+                          <p:cTn id="19" fill="hold">
+                            <p:stCondLst>
+                              <p:cond delay="0"/>
+                            </p:stCondLst>
+                            <p:childTnLst>
+                              <p:par>
+                                <p:cTn id="20" presetID="1" presetClass="entr" presetSubtype="0" fill="hold" nodeType="clickEffect">
+                                  <p:stCondLst>
+                                    <p:cond delay="0"/>
+                                  </p:stCondLst>
+                                  <p:childTnLst>
+                                    <p:set>
+                                      <p:cBhvr>
+                                        <p:cTn id="21" dur="1" fill="hold">
+                                          <p:stCondLst>
+                                            <p:cond delay="0"/>
+                                          </p:stCondLst>
+                                        </p:cTn>
+                                        <p:tgtEl>
+                                          <p:spTgt spid="9"/>
+                                        </p:tgtEl>
+                                        <p:attrNameLst>
+                                          <p:attrName>style.visibility</p:attrName>
+                                        </p:attrNameLst>
+                                      </p:cBhvr>
+                                      <p:to>
+                                        <p:strVal val="visible"/>
+                                      </p:to>
+                                    </p:set>
+                                  </p:childTnLst>
+                                </p:cTn>
+                              </p:par>
+                            </p:childTnLst>
+                          </p:cTn>
+                        </p:par>
+                      </p:childTnLst>
+                    </p:cTn>
+                  </p:par>
+                  <p:par>
+                    <p:cTn id="22" fill="hold">
+                      <p:stCondLst>
+                        <p:cond delay="indefinite"/>
+                      </p:stCondLst>
+                      <p:childTnLst>
+                        <p:par>
+                          <p:cTn id="23" fill="hold">
+                            <p:stCondLst>
+                              <p:cond delay="0"/>
+                            </p:stCondLst>
+                            <p:childTnLst>
+                              <p:par>
+                                <p:cTn id="24" presetID="10" presetClass="entr" presetSubtype="0" fill="hold" grpId="0" nodeType="clickEffect">
+                                  <p:stCondLst>
+                                    <p:cond delay="0"/>
+                                  </p:stCondLst>
+                                  <p:iterate>
+                                    <p:tmPct val="10000"/>
+                                  </p:iterate>
+                                  <p:childTnLst>
+                                    <p:set>
+                                      <p:cBhvr>
+                                        <p:cTn id="25" dur="1" fill="hold">
+                                          <p:stCondLst>
+                                            <p:cond delay="0"/>
+                                          </p:stCondLst>
+                                        </p:cTn>
+                                        <p:tgtEl>
+                                          <p:spTgt spid="3">
+                                            <p:txEl>
+                                              <p:pRg st="4" end="4"/>
+                                            </p:txEl>
+                                          </p:spTgt>
+                                        </p:tgtEl>
+                                        <p:attrNameLst>
+                                          <p:attrName>style.visibility</p:attrName>
+                                        </p:attrNameLst>
+                                      </p:cBhvr>
+                                      <p:to>
+                                        <p:strVal val="visible"/>
+                                      </p:to>
+                                    </p:set>
+                                    <p:animEffect transition="in" filter="fade">
+                                      <p:cBhvr>
+                                        <p:cTn id="26" dur="700"/>
+                                        <p:tgtEl>
+                                          <p:spTgt spid="3">
+                                            <p:txEl>
+                                              <p:pRg st="4" end="4"/>
+                                            </p:txEl>
+                                          </p:spTgt>
+                                        </p:tgtEl>
+                                      </p:cBhvr>
+                                    </p:animEffect>
+                                  </p:childTnLst>
+                                </p:cTn>
+                              </p:par>
+                              <p:par>
+                                <p:cTn id="27" presetID="10" presetClass="entr" presetSubtype="0" fill="hold" grpId="0" nodeType="withEffect">
+                                  <p:stCondLst>
+                                    <p:cond delay="0"/>
+                                  </p:stCondLst>
+                                  <p:iterate>
+                                    <p:tmPct val="10000"/>
+                                  </p:iterate>
+                                  <p:childTnLst>
+                                    <p:set>
+                                      <p:cBhvr>
+                                        <p:cTn id="28" dur="1" fill="hold">
+                                          <p:stCondLst>
+                                            <p:cond delay="0"/>
+                                          </p:stCondLst>
+                                        </p:cTn>
+                                        <p:tgtEl>
+                                          <p:spTgt spid="3">
+                                            <p:txEl>
+                                              <p:pRg st="5" end="5"/>
+                                            </p:txEl>
+                                          </p:spTgt>
+                                        </p:tgtEl>
+                                        <p:attrNameLst>
+                                          <p:attrName>style.visibility</p:attrName>
+                                        </p:attrNameLst>
+                                      </p:cBhvr>
+                                      <p:to>
+                                        <p:strVal val="visible"/>
+                                      </p:to>
+                                    </p:set>
+                                    <p:animEffect transition="in" filter="fade">
+                                      <p:cBhvr>
+                                        <p:cTn id="29" dur="700"/>
+                                        <p:tgtEl>
+                                          <p:spTgt spid="3">
+                                            <p:txEl>
+                                              <p:pRg st="5" end="5"/>
+                                            </p:txEl>
+                                          </p:spTgt>
+                                        </p:tgtEl>
+                                      </p:cBhvr>
+                                    </p:animEffect>
+                                  </p:childTnLst>
+                                </p:cTn>
+                              </p:par>
+                              <p:par>
+                                <p:cTn id="30" presetID="10" presetClass="entr" presetSubtype="0" fill="hold" grpId="0" nodeType="withEffect">
+                                  <p:stCondLst>
+                                    <p:cond delay="0"/>
+                                  </p:stCondLst>
+                                  <p:iterate>
+                                    <p:tmPct val="10000"/>
+                                  </p:iterate>
+                                  <p:childTnLst>
+                                    <p:set>
+                                      <p:cBhvr>
+                                        <p:cTn id="31" dur="1" fill="hold">
+                                          <p:stCondLst>
+                                            <p:cond delay="0"/>
+                                          </p:stCondLst>
+                                        </p:cTn>
+                                        <p:tgtEl>
+                                          <p:spTgt spid="3">
+                                            <p:txEl>
+                                              <p:pRg st="6" end="6"/>
+                                            </p:txEl>
+                                          </p:spTgt>
+                                        </p:tgtEl>
+                                        <p:attrNameLst>
+                                          <p:attrName>style.visibility</p:attrName>
+                                        </p:attrNameLst>
+                                      </p:cBhvr>
+                                      <p:to>
+                                        <p:strVal val="visible"/>
+                                      </p:to>
+                                    </p:set>
+                                    <p:animEffect transition="in" filter="fade">
+                                      <p:cBhvr>
+                                        <p:cTn id="32" dur="700"/>
+                                        <p:tgtEl>
+                                          <p:spTgt spid="3">
+                                            <p:txEl>
+                                              <p:pRg st="6" end="6"/>
+                                            </p:txEl>
+                                          </p:spTgt>
+                                        </p:tgtEl>
+                                      </p:cBhvr>
+                                    </p:animEffect>
+                                  </p:childTnLst>
+                                </p:cTn>
+                              </p:par>
+                              <p:par>
+                                <p:cTn id="33" presetID="10" presetClass="entr" presetSubtype="0" fill="hold" grpId="0" nodeType="withEffect">
+                                  <p:stCondLst>
+                                    <p:cond delay="0"/>
+                                  </p:stCondLst>
+                                  <p:iterate>
+                                    <p:tmPct val="10000"/>
+                                  </p:iterate>
+                                  <p:childTnLst>
+                                    <p:set>
+                                      <p:cBhvr>
+                                        <p:cTn id="34" dur="1" fill="hold">
+                                          <p:stCondLst>
+                                            <p:cond delay="0"/>
+                                          </p:stCondLst>
+                                        </p:cTn>
+                                        <p:tgtEl>
+                                          <p:spTgt spid="3">
+                                            <p:txEl>
+                                              <p:pRg st="7" end="7"/>
+                                            </p:txEl>
+                                          </p:spTgt>
+                                        </p:tgtEl>
+                                        <p:attrNameLst>
+                                          <p:attrName>style.visibility</p:attrName>
+                                        </p:attrNameLst>
+                                      </p:cBhvr>
+                                      <p:to>
+                                        <p:strVal val="visible"/>
+                                      </p:to>
+                                    </p:set>
+                                    <p:animEffect transition="in" filter="fade">
+                                      <p:cBhvr>
+                                        <p:cTn id="35" dur="700"/>
+                                        <p:tgtEl>
+                                          <p:spTgt spid="3">
+                                            <p:txEl>
+                                              <p:pRg st="7" end="7"/>
+                                            </p:txEl>
+                                          </p:spTgt>
+                                        </p:tgtEl>
+                                      </p:cBhvr>
+                                    </p:animEffect>
+                                  </p:childTnLst>
+                                </p:cTn>
+                              </p:par>
+                            </p:childTnLst>
+                          </p:cTn>
+                        </p:par>
+                      </p:childTnLst>
+                    </p:cTn>
+                  </p:par>
+                </p:childTnLst>
+              </p:cTn>
+              <p:prevCondLst>
+                <p:cond evt="onPrev" delay="0">
+                  <p:tgtEl>
+                    <p:sldTgt/>
+                  </p:tgtEl>
+                </p:cond>
+              </p:prevCondLst>
+              <p:nextCondLst>
+                <p:cond evt="onNext" delay="0">
+                  <p:tgtEl>
+                    <p:sldTgt/>
+                  </p:tgtEl>
+                </p:cond>
+              </p:nextCondLst>
+            </p:seq>
+          </p:childTnLst>
+        </p:cTn>
+      </p:par>
+    </p:tnLst>
+    <p:bldLst>
+      <p:bldP spid="2" grpId="0"/>
+      <p:bldP spid="3" grpId="0" uiExpand="1" build="p"/>
+    </p:bldLst>
+  </p:timing>
 </p:sld>
 </file>
 
 <file path=ppt/slides/slide4.xml><?xml version="1.0" encoding="utf-8"?>
 <p:sld xmlns:a="http://schemas.openxmlformats.org/drawingml/2006/main" xmlns:r="http://schemas.openxmlformats.org/officeDocument/2006/relationships" xmlns:p="http://schemas.openxmlformats.org/presentationml/2006/main">
   <p:cSld>
+    <p:bg>
+      <p:bgPr>
+        <a:solidFill>
+          <a:schemeClr val="bg1"/>
+        </a:solidFill>
+        <a:effectLst/>
+      </p:bgPr>
+    </p:bg>
     <p:spTree>
       <p:nvGrpSpPr>
         <p:cNvPr id="1" name=""/>
@@ -3968,7 +5872,7 @@
           <p:cNvPr id="2" name="Title 1">
             <a:extLst>
               <a:ext uri="{FF2B5EF4-FFF2-40B4-BE49-F238E27FC236}">
-                <a16:creationId xmlns:a16="http://schemas.microsoft.com/office/drawing/2014/main" id="{46AD85B3-717E-4DD4-8119-17314D5CD495}"/>
+                <a16:creationId xmlns:a16="http://schemas.microsoft.com/office/drawing/2014/main" id="{A80C63CD-E596-4C34-80CB-E29FEE5410EF}"/>
               </a:ext>
             </a:extLst>
           </p:cNvPr>
@@ -3979,83 +5883,635 @@
             <p:ph type="title"/>
           </p:nvPr>
         </p:nvSpPr>
-        <p:spPr/>
-        <p:txBody>
-          <a:bodyPr/>
+        <p:spPr>
+          <a:xfrm>
+            <a:off x="6412091" y="501651"/>
+            <a:ext cx="4395340" cy="1716255"/>
+          </a:xfrm>
+        </p:spPr>
+        <p:txBody>
+          <a:bodyPr anchor="b">
+            <a:normAutofit/>
+          </a:bodyPr>
           <a:lstStyle/>
           <a:p>
             <a:r>
-              <a:rPr lang="en-US" dirty="0"/>
-              <a:t>How did we get the data</a:t>
-            </a:r>
-            <a:endParaRPr lang="en-AT" dirty="0"/>
-          </a:p>
-        </p:txBody>
-      </p:sp>
-      <p:sp>
-        <p:nvSpPr>
-          <p:cNvPr id="3" name="Content Placeholder 2">
-            <a:extLst>
-              <a:ext uri="{FF2B5EF4-FFF2-40B4-BE49-F238E27FC236}">
-                <a16:creationId xmlns:a16="http://schemas.microsoft.com/office/drawing/2014/main" id="{A427E458-97C0-4754-A65B-D3D3A5B096A9}"/>
-              </a:ext>
-            </a:extLst>
-          </p:cNvPr>
-          <p:cNvSpPr>
-            <a:spLocks noGrp="1"/>
-          </p:cNvSpPr>
-          <p:nvPr>
-            <p:ph idx="1"/>
-          </p:nvPr>
-        </p:nvSpPr>
-        <p:spPr/>
-        <p:txBody>
-          <a:bodyPr/>
-          <a:lstStyle/>
-          <a:p>
-            <a:r>
-              <a:rPr lang="en-US" dirty="0"/>
-              <a:t>First Attempt: Automatic Generation</a:t>
-            </a:r>
-          </a:p>
-          <a:p>
-            <a:pPr lvl="1"/>
-            <a:r>
-              <a:rPr lang="en-US" dirty="0"/>
-              <a:t>Did not go well</a:t>
-            </a:r>
-          </a:p>
-          <a:p>
-            <a:pPr lvl="1"/>
-            <a:r>
-              <a:rPr lang="en-US" dirty="0"/>
-              <a:t>Will be shown later</a:t>
-            </a:r>
-          </a:p>
-          <a:p>
-            <a:r>
-              <a:rPr lang="en-US" dirty="0"/>
-              <a:t>Then: Gather manually created MIDI Files from the internet(sources)</a:t>
-            </a:r>
-          </a:p>
-        </p:txBody>
-      </p:sp>
+              <a:rPr lang="en-US" sz="5600"/>
+              <a:t>What are MIDI Files</a:t>
+            </a:r>
+            <a:endParaRPr lang="en-AT" sz="5600"/>
+          </a:p>
+        </p:txBody>
+      </p:sp>
+      <p:pic>
+        <p:nvPicPr>
+          <p:cNvPr id="9" name="Picture 8" descr="A snowy road with trees on either side of it&#10;&#10;Description automatically generated with medium confidence">
+            <a:extLst>
+              <a:ext uri="{FF2B5EF4-FFF2-40B4-BE49-F238E27FC236}">
+                <a16:creationId xmlns:a16="http://schemas.microsoft.com/office/drawing/2014/main" id="{92F7502F-AD19-4523-979A-98E7D4DE6E18}"/>
+              </a:ext>
+            </a:extLst>
+          </p:cNvPr>
+          <p:cNvPicPr>
+            <a:picLocks noChangeAspect="1"/>
+          </p:cNvPicPr>
+          <p:nvPr/>
+        </p:nvPicPr>
+        <p:blipFill rotWithShape="1">
+          <a:blip r:embed="rId5">
+            <a:extLst>
+              <a:ext uri="{28A0092B-C50C-407E-A947-70E740481C1C}">
+                <a14:useLocalDpi xmlns:a14="http://schemas.microsoft.com/office/drawing/2010/main" val="0"/>
+              </a:ext>
+            </a:extLst>
+          </a:blip>
+          <a:srcRect t="6104" r="2" b="17127"/>
+          <a:stretch/>
+        </p:blipFill>
+        <p:spPr>
+          <a:xfrm>
+            <a:off x="279143" y="426252"/>
+            <a:ext cx="5221625" cy="6005497"/>
+          </a:xfrm>
+          <a:prstGeom prst="rect">
+            <a:avLst/>
+          </a:prstGeom>
+        </p:spPr>
+      </p:pic>
+      <p:sp>
+        <p:nvSpPr>
+          <p:cNvPr id="11" name="Subtitle 2">
+            <a:extLst>
+              <a:ext uri="{FF2B5EF4-FFF2-40B4-BE49-F238E27FC236}">
+                <a16:creationId xmlns:a16="http://schemas.microsoft.com/office/drawing/2014/main" id="{312F5B2E-CA3C-4CDB-84CA-8C97CE50024D}"/>
+              </a:ext>
+            </a:extLst>
+          </p:cNvPr>
+          <p:cNvSpPr txBox="1">
+            <a:spLocks/>
+          </p:cNvSpPr>
+          <p:nvPr/>
+        </p:nvSpPr>
+        <p:spPr>
+          <a:xfrm>
+            <a:off x="6527594" y="2616120"/>
+            <a:ext cx="4619621" cy="3843666"/>
+          </a:xfrm>
+          <a:prstGeom prst="rect">
+            <a:avLst/>
+          </a:prstGeom>
+        </p:spPr>
+        <p:txBody>
+          <a:bodyPr vert="horz" lIns="91440" tIns="45720" rIns="91440" bIns="45720" rtlCol="0">
+            <a:normAutofit/>
+          </a:bodyPr>
+          <a:lstStyle>
+            <a:lvl1pPr marL="228600" indent="-228600" algn="l" defTabSz="914400" rtl="0" eaLnBrk="1" latinLnBrk="0" hangingPunct="1">
+              <a:lnSpc>
+                <a:spcPct val="90000"/>
+              </a:lnSpc>
+              <a:spcBef>
+                <a:spcPts val="1000"/>
+              </a:spcBef>
+              <a:buFont typeface="Arial" panose="020B0604020202020204" pitchFamily="34" charset="0"/>
+              <a:buChar char="•"/>
+              <a:defRPr sz="2800" kern="1200">
+                <a:solidFill>
+                  <a:schemeClr val="tx1"/>
+                </a:solidFill>
+                <a:latin typeface="+mn-lt"/>
+                <a:ea typeface="+mn-ea"/>
+                <a:cs typeface="+mn-cs"/>
+              </a:defRPr>
+            </a:lvl1pPr>
+            <a:lvl2pPr marL="685800" indent="-228600" algn="l" defTabSz="914400" rtl="0" eaLnBrk="1" latinLnBrk="0" hangingPunct="1">
+              <a:lnSpc>
+                <a:spcPct val="90000"/>
+              </a:lnSpc>
+              <a:spcBef>
+                <a:spcPts val="500"/>
+              </a:spcBef>
+              <a:buFont typeface="Arial" panose="020B0604020202020204" pitchFamily="34" charset="0"/>
+              <a:buChar char="•"/>
+              <a:defRPr sz="2400" kern="1200">
+                <a:solidFill>
+                  <a:schemeClr val="tx1"/>
+                </a:solidFill>
+                <a:latin typeface="+mn-lt"/>
+                <a:ea typeface="+mn-ea"/>
+                <a:cs typeface="+mn-cs"/>
+              </a:defRPr>
+            </a:lvl2pPr>
+            <a:lvl3pPr marL="1143000" indent="-228600" algn="l" defTabSz="914400" rtl="0" eaLnBrk="1" latinLnBrk="0" hangingPunct="1">
+              <a:lnSpc>
+                <a:spcPct val="90000"/>
+              </a:lnSpc>
+              <a:spcBef>
+                <a:spcPts val="500"/>
+              </a:spcBef>
+              <a:buFont typeface="Arial" panose="020B0604020202020204" pitchFamily="34" charset="0"/>
+              <a:buChar char="•"/>
+              <a:defRPr sz="2000" kern="1200">
+                <a:solidFill>
+                  <a:schemeClr val="tx1"/>
+                </a:solidFill>
+                <a:latin typeface="+mn-lt"/>
+                <a:ea typeface="+mn-ea"/>
+                <a:cs typeface="+mn-cs"/>
+              </a:defRPr>
+            </a:lvl3pPr>
+            <a:lvl4pPr marL="1600200" indent="-228600" algn="l" defTabSz="914400" rtl="0" eaLnBrk="1" latinLnBrk="0" hangingPunct="1">
+              <a:lnSpc>
+                <a:spcPct val="90000"/>
+              </a:lnSpc>
+              <a:spcBef>
+                <a:spcPts val="500"/>
+              </a:spcBef>
+              <a:buFont typeface="Arial" panose="020B0604020202020204" pitchFamily="34" charset="0"/>
+              <a:buChar char="•"/>
+              <a:defRPr sz="1800" kern="1200">
+                <a:solidFill>
+                  <a:schemeClr val="tx1"/>
+                </a:solidFill>
+                <a:latin typeface="+mn-lt"/>
+                <a:ea typeface="+mn-ea"/>
+                <a:cs typeface="+mn-cs"/>
+              </a:defRPr>
+            </a:lvl4pPr>
+            <a:lvl5pPr marL="2057400" indent="-228600" algn="l" defTabSz="914400" rtl="0" eaLnBrk="1" latinLnBrk="0" hangingPunct="1">
+              <a:lnSpc>
+                <a:spcPct val="90000"/>
+              </a:lnSpc>
+              <a:spcBef>
+                <a:spcPts val="500"/>
+              </a:spcBef>
+              <a:buFont typeface="Arial" panose="020B0604020202020204" pitchFamily="34" charset="0"/>
+              <a:buChar char="•"/>
+              <a:defRPr sz="1800" kern="1200">
+                <a:solidFill>
+                  <a:schemeClr val="tx1"/>
+                </a:solidFill>
+                <a:latin typeface="+mn-lt"/>
+                <a:ea typeface="+mn-ea"/>
+                <a:cs typeface="+mn-cs"/>
+              </a:defRPr>
+            </a:lvl5pPr>
+            <a:lvl6pPr marL="2514600" indent="-228600" algn="l" defTabSz="914400" rtl="0" eaLnBrk="1" latinLnBrk="0" hangingPunct="1">
+              <a:lnSpc>
+                <a:spcPct val="90000"/>
+              </a:lnSpc>
+              <a:spcBef>
+                <a:spcPts val="500"/>
+              </a:spcBef>
+              <a:buFont typeface="Arial" panose="020B0604020202020204" pitchFamily="34" charset="0"/>
+              <a:buChar char="•"/>
+              <a:defRPr sz="1800" kern="1200">
+                <a:solidFill>
+                  <a:schemeClr val="tx1"/>
+                </a:solidFill>
+                <a:latin typeface="+mn-lt"/>
+                <a:ea typeface="+mn-ea"/>
+                <a:cs typeface="+mn-cs"/>
+              </a:defRPr>
+            </a:lvl6pPr>
+            <a:lvl7pPr marL="2971800" indent="-228600" algn="l" defTabSz="914400" rtl="0" eaLnBrk="1" latinLnBrk="0" hangingPunct="1">
+              <a:lnSpc>
+                <a:spcPct val="90000"/>
+              </a:lnSpc>
+              <a:spcBef>
+                <a:spcPts val="500"/>
+              </a:spcBef>
+              <a:buFont typeface="Arial" panose="020B0604020202020204" pitchFamily="34" charset="0"/>
+              <a:buChar char="•"/>
+              <a:defRPr sz="1800" kern="1200">
+                <a:solidFill>
+                  <a:schemeClr val="tx1"/>
+                </a:solidFill>
+                <a:latin typeface="+mn-lt"/>
+                <a:ea typeface="+mn-ea"/>
+                <a:cs typeface="+mn-cs"/>
+              </a:defRPr>
+            </a:lvl7pPr>
+            <a:lvl8pPr marL="3429000" indent="-228600" algn="l" defTabSz="914400" rtl="0" eaLnBrk="1" latinLnBrk="0" hangingPunct="1">
+              <a:lnSpc>
+                <a:spcPct val="90000"/>
+              </a:lnSpc>
+              <a:spcBef>
+                <a:spcPts val="500"/>
+              </a:spcBef>
+              <a:buFont typeface="Arial" panose="020B0604020202020204" pitchFamily="34" charset="0"/>
+              <a:buChar char="•"/>
+              <a:defRPr sz="1800" kern="1200">
+                <a:solidFill>
+                  <a:schemeClr val="tx1"/>
+                </a:solidFill>
+                <a:latin typeface="+mn-lt"/>
+                <a:ea typeface="+mn-ea"/>
+                <a:cs typeface="+mn-cs"/>
+              </a:defRPr>
+            </a:lvl8pPr>
+            <a:lvl9pPr marL="3886200" indent="-228600" algn="l" defTabSz="914400" rtl="0" eaLnBrk="1" latinLnBrk="0" hangingPunct="1">
+              <a:lnSpc>
+                <a:spcPct val="90000"/>
+              </a:lnSpc>
+              <a:spcBef>
+                <a:spcPts val="500"/>
+              </a:spcBef>
+              <a:buFont typeface="Arial" panose="020B0604020202020204" pitchFamily="34" charset="0"/>
+              <a:buChar char="•"/>
+              <a:defRPr sz="1800" kern="1200">
+                <a:solidFill>
+                  <a:schemeClr val="tx1"/>
+                </a:solidFill>
+                <a:latin typeface="+mn-lt"/>
+                <a:ea typeface="+mn-ea"/>
+                <a:cs typeface="+mn-cs"/>
+              </a:defRPr>
+            </a:lvl9pPr>
+          </a:lstStyle>
+          <a:p>
+            <a:pPr marL="0" indent="0">
+              <a:buFont typeface="Arial" panose="020B0604020202020204" pitchFamily="34" charset="0"/>
+              <a:buNone/>
+            </a:pPr>
+            <a:r>
+              <a:rPr lang="en-US" sz="2000" dirty="0"/>
+              <a:t>What do they sound like?</a:t>
+            </a:r>
+          </a:p>
+          <a:p>
+            <a:endParaRPr lang="en-US" sz="2000" dirty="0"/>
+          </a:p>
+          <a:p>
+            <a:endParaRPr lang="en-US" sz="2000" dirty="0"/>
+          </a:p>
+          <a:p>
+            <a:pPr marL="0" indent="0">
+              <a:buFont typeface="Arial" panose="020B0604020202020204" pitchFamily="34" charset="0"/>
+              <a:buNone/>
+            </a:pPr>
+            <a:endParaRPr lang="en-US" sz="2000" dirty="0"/>
+          </a:p>
+          <a:p>
+            <a:pPr marL="0" indent="0">
+              <a:buFont typeface="Arial" panose="020B0604020202020204" pitchFamily="34" charset="0"/>
+              <a:buNone/>
+            </a:pPr>
+            <a:r>
+              <a:rPr lang="en-US" sz="2000" dirty="0"/>
+              <a:t>… like those old polyphone ringtones</a:t>
+            </a:r>
+          </a:p>
+          <a:p>
+            <a:endParaRPr lang="en-AT" sz="2000" dirty="0"/>
+          </a:p>
+        </p:txBody>
+      </p:sp>
+      <p:pic>
+        <p:nvPicPr>
+          <p:cNvPr id="14" name="elise">
+            <a:hlinkClick r:id="" action="ppaction://media"/>
+            <a:extLst>
+              <a:ext uri="{FF2B5EF4-FFF2-40B4-BE49-F238E27FC236}">
+                <a16:creationId xmlns:a16="http://schemas.microsoft.com/office/drawing/2014/main" id="{B752AB3B-B30C-470B-947E-4D3D5AA5E032}"/>
+              </a:ext>
+            </a:extLst>
+          </p:cNvPr>
+          <p:cNvPicPr>
+            <a:picLocks noChangeAspect="1"/>
+          </p:cNvPicPr>
+          <p:nvPr>
+            <a:audioFile r:link="rId1"/>
+            <p:extLst>
+              <p:ext uri="{DAA4B4D4-6D71-4841-9C94-3DE7FCFB9230}">
+                <p14:media xmlns:p14="http://schemas.microsoft.com/office/powerpoint/2010/main" r:embed="rId2">
+                  <p14:trim st="1000" end="157500"/>
+                </p14:media>
+              </p:ext>
+            </p:extLst>
+          </p:nvPr>
+        </p:nvPicPr>
+        <p:blipFill>
+          <a:blip r:embed="rId6"/>
+          <a:stretch>
+            <a:fillRect/>
+          </a:stretch>
+        </p:blipFill>
+        <p:spPr>
+          <a:xfrm>
+            <a:off x="8300583" y="3215003"/>
+            <a:ext cx="609600" cy="609600"/>
+          </a:xfrm>
+          <a:prstGeom prst="rect">
+            <a:avLst/>
+          </a:prstGeom>
+        </p:spPr>
+      </p:pic>
+      <p:pic>
+        <p:nvPicPr>
+          <p:cNvPr id="15" name="Lynyrd_Skynyrd_-_Sweet_Home_Alabama">
+            <a:hlinkClick r:id="" action="ppaction://media"/>
+            <a:extLst>
+              <a:ext uri="{FF2B5EF4-FFF2-40B4-BE49-F238E27FC236}">
+                <a16:creationId xmlns:a16="http://schemas.microsoft.com/office/drawing/2014/main" id="{030CE9E7-85B2-41A4-A25D-A5D2A95F190A}"/>
+              </a:ext>
+            </a:extLst>
+          </p:cNvPr>
+          <p:cNvPicPr>
+            <a:picLocks noChangeAspect="1"/>
+          </p:cNvPicPr>
+          <p:nvPr>
+            <a:audioFile r:link="rId1"/>
+            <p:extLst>
+              <p:ext uri="{DAA4B4D4-6D71-4841-9C94-3DE7FCFB9230}">
+                <p14:media xmlns:p14="http://schemas.microsoft.com/office/powerpoint/2010/main" r:embed="rId3">
+                  <p14:trim st="4000" end="215500"/>
+                </p14:media>
+              </p:ext>
+            </p:extLst>
+          </p:nvPr>
+        </p:nvPicPr>
+        <p:blipFill>
+          <a:blip r:embed="rId6"/>
+          <a:stretch>
+            <a:fillRect/>
+          </a:stretch>
+        </p:blipFill>
+        <p:spPr>
+          <a:xfrm>
+            <a:off x="8300583" y="4901330"/>
+            <a:ext cx="609600" cy="609600"/>
+          </a:xfrm>
+          <a:prstGeom prst="rect">
+            <a:avLst/>
+          </a:prstGeom>
+        </p:spPr>
+      </p:pic>
     </p:spTree>
     <p:extLst>
       <p:ext uri="{BB962C8B-B14F-4D97-AF65-F5344CB8AC3E}">
-        <p14:creationId xmlns:p14="http://schemas.microsoft.com/office/powerpoint/2010/main" val="3318566146"/>
+        <p14:creationId xmlns:p14="http://schemas.microsoft.com/office/powerpoint/2010/main" val="2014389263"/>
       </p:ext>
     </p:extLst>
   </p:cSld>
   <p:clrMapOvr>
     <a:masterClrMapping/>
   </p:clrMapOvr>
+  <p:timing>
+    <p:tnLst>
+      <p:par>
+        <p:cTn id="1" dur="indefinite" restart="never" nodeType="tmRoot">
+          <p:childTnLst>
+            <p:seq concurrent="1" nextAc="seek">
+              <p:cTn id="2" dur="indefinite" nodeType="mainSeq">
+                <p:childTnLst>
+                  <p:par>
+                    <p:cTn id="3" fill="hold">
+                      <p:stCondLst>
+                        <p:cond delay="indefinite"/>
+                      </p:stCondLst>
+                      <p:childTnLst>
+                        <p:par>
+                          <p:cTn id="4" fill="hold">
+                            <p:stCondLst>
+                              <p:cond delay="0"/>
+                            </p:stCondLst>
+                            <p:childTnLst>
+                              <p:par>
+                                <p:cTn id="5" presetID="1" presetClass="entr" presetSubtype="0" fill="hold" nodeType="clickEffect">
+                                  <p:stCondLst>
+                                    <p:cond delay="0"/>
+                                  </p:stCondLst>
+                                  <p:childTnLst>
+                                    <p:set>
+                                      <p:cBhvr>
+                                        <p:cTn id="6" dur="1" fill="hold">
+                                          <p:stCondLst>
+                                            <p:cond delay="0"/>
+                                          </p:stCondLst>
+                                        </p:cTn>
+                                        <p:tgtEl>
+                                          <p:spTgt spid="11">
+                                            <p:txEl>
+                                              <p:pRg st="0" end="0"/>
+                                            </p:txEl>
+                                          </p:spTgt>
+                                        </p:tgtEl>
+                                        <p:attrNameLst>
+                                          <p:attrName>style.visibility</p:attrName>
+                                        </p:attrNameLst>
+                                      </p:cBhvr>
+                                      <p:to>
+                                        <p:strVal val="visible"/>
+                                      </p:to>
+                                    </p:set>
+                                  </p:childTnLst>
+                                </p:cTn>
+                              </p:par>
+                            </p:childTnLst>
+                          </p:cTn>
+                        </p:par>
+                      </p:childTnLst>
+                    </p:cTn>
+                  </p:par>
+                  <p:par>
+                    <p:cTn id="7" fill="hold">
+                      <p:stCondLst>
+                        <p:cond delay="indefinite"/>
+                      </p:stCondLst>
+                      <p:childTnLst>
+                        <p:par>
+                          <p:cTn id="8" fill="hold">
+                            <p:stCondLst>
+                              <p:cond delay="0"/>
+                            </p:stCondLst>
+                            <p:childTnLst>
+                              <p:par>
+                                <p:cTn id="9" presetID="1" presetClass="mediacall" presetSubtype="0" fill="hold" nodeType="clickEffect">
+                                  <p:stCondLst>
+                                    <p:cond delay="0"/>
+                                  </p:stCondLst>
+                                  <p:childTnLst>
+                                    <p:cmd type="call" cmd="playFrom(0.0)">
+                                      <p:cBhvr>
+                                        <p:cTn id="10" dur="7500" fill="hold"/>
+                                        <p:tgtEl>
+                                          <p:spTgt spid="14"/>
+                                        </p:tgtEl>
+                                      </p:cBhvr>
+                                    </p:cmd>
+                                  </p:childTnLst>
+                                </p:cTn>
+                              </p:par>
+                            </p:childTnLst>
+                          </p:cTn>
+                        </p:par>
+                      </p:childTnLst>
+                    </p:cTn>
+                  </p:par>
+                  <p:par>
+                    <p:cTn id="11" fill="hold">
+                      <p:stCondLst>
+                        <p:cond delay="indefinite"/>
+                      </p:stCondLst>
+                      <p:childTnLst>
+                        <p:par>
+                          <p:cTn id="12" fill="hold">
+                            <p:stCondLst>
+                              <p:cond delay="0"/>
+                            </p:stCondLst>
+                            <p:childTnLst>
+                              <p:par>
+                                <p:cTn id="13" presetID="1" presetClass="entr" presetSubtype="0" fill="hold" nodeType="clickEffect">
+                                  <p:stCondLst>
+                                    <p:cond delay="0"/>
+                                  </p:stCondLst>
+                                  <p:childTnLst>
+                                    <p:set>
+                                      <p:cBhvr>
+                                        <p:cTn id="14" dur="1" fill="hold">
+                                          <p:stCondLst>
+                                            <p:cond delay="0"/>
+                                          </p:stCondLst>
+                                        </p:cTn>
+                                        <p:tgtEl>
+                                          <p:spTgt spid="11">
+                                            <p:txEl>
+                                              <p:pRg st="4" end="4"/>
+                                            </p:txEl>
+                                          </p:spTgt>
+                                        </p:tgtEl>
+                                        <p:attrNameLst>
+                                          <p:attrName>style.visibility</p:attrName>
+                                        </p:attrNameLst>
+                                      </p:cBhvr>
+                                      <p:to>
+                                        <p:strVal val="visible"/>
+                                      </p:to>
+                                    </p:set>
+                                  </p:childTnLst>
+                                </p:cTn>
+                              </p:par>
+                            </p:childTnLst>
+                          </p:cTn>
+                        </p:par>
+                      </p:childTnLst>
+                    </p:cTn>
+                  </p:par>
+                  <p:par>
+                    <p:cTn id="15" fill="hold">
+                      <p:stCondLst>
+                        <p:cond delay="indefinite"/>
+                      </p:stCondLst>
+                      <p:childTnLst>
+                        <p:par>
+                          <p:cTn id="16" fill="hold">
+                            <p:stCondLst>
+                              <p:cond delay="0"/>
+                            </p:stCondLst>
+                            <p:childTnLst>
+                              <p:par>
+                                <p:cTn id="17" presetID="1" presetClass="mediacall" presetSubtype="0" fill="hold" nodeType="clickEffect">
+                                  <p:stCondLst>
+                                    <p:cond delay="0"/>
+                                  </p:stCondLst>
+                                  <p:childTnLst>
+                                    <p:cmd type="call" cmd="playFrom(0.0)">
+                                      <p:cBhvr>
+                                        <p:cTn id="18" dur="12500" fill="hold"/>
+                                        <p:tgtEl>
+                                          <p:spTgt spid="15"/>
+                                        </p:tgtEl>
+                                      </p:cBhvr>
+                                    </p:cmd>
+                                  </p:childTnLst>
+                                </p:cTn>
+                              </p:par>
+                            </p:childTnLst>
+                          </p:cTn>
+                        </p:par>
+                      </p:childTnLst>
+                    </p:cTn>
+                  </p:par>
+                </p:childTnLst>
+              </p:cTn>
+              <p:prevCondLst>
+                <p:cond evt="onPrev" delay="0">
+                  <p:tgtEl>
+                    <p:sldTgt/>
+                  </p:tgtEl>
+                </p:cond>
+              </p:prevCondLst>
+              <p:nextCondLst>
+                <p:cond evt="onNext" delay="0">
+                  <p:tgtEl>
+                    <p:sldTgt/>
+                  </p:tgtEl>
+                </p:cond>
+              </p:nextCondLst>
+            </p:seq>
+            <p:audio>
+              <p:cMediaNode vol="71212" showWhenStopped="0">
+                <p:cTn id="19" fill="hold" display="0">
+                  <p:stCondLst>
+                    <p:cond delay="indefinite"/>
+                  </p:stCondLst>
+                  <p:endCondLst>
+                    <p:cond evt="onStopAudio" delay="0">
+                      <p:tgtEl>
+                        <p:sldTgt/>
+                      </p:tgtEl>
+                    </p:cond>
+                    <p:cond evt="onNext" delay="0">
+                      <p:tgtEl>
+                        <p:sldTgt/>
+                      </p:tgtEl>
+                    </p:cond>
+                  </p:endCondLst>
+                </p:cTn>
+                <p:tgtEl>
+                  <p:spTgt spid="14"/>
+                </p:tgtEl>
+              </p:cMediaNode>
+            </p:audio>
+            <p:audio>
+              <p:cMediaNode vol="3030" mute="1" showWhenStopped="0">
+                <p:cTn id="20" fill="hold" display="0">
+                  <p:stCondLst>
+                    <p:cond delay="indefinite"/>
+                  </p:stCondLst>
+                  <p:endCondLst>
+                    <p:cond evt="onStopAudio" delay="0">
+                      <p:tgtEl>
+                        <p:sldTgt/>
+                      </p:tgtEl>
+                    </p:cond>
+                  </p:endCondLst>
+                </p:cTn>
+                <p:tgtEl>
+                  <p:spTgt spid="15"/>
+                </p:tgtEl>
+              </p:cMediaNode>
+            </p:audio>
+          </p:childTnLst>
+        </p:cTn>
+      </p:par>
+    </p:tnLst>
+  </p:timing>
 </p:sld>
 </file>
 
 <file path=ppt/slides/slide5.xml><?xml version="1.0" encoding="utf-8"?>
 <p:sld xmlns:a="http://schemas.openxmlformats.org/drawingml/2006/main" xmlns:r="http://schemas.openxmlformats.org/officeDocument/2006/relationships" xmlns:p="http://schemas.openxmlformats.org/presentationml/2006/main">
   <p:cSld>
+    <p:bg>
+      <p:bgPr>
+        <a:solidFill>
+          <a:schemeClr val="bg1"/>
+        </a:solidFill>
+        <a:effectLst/>
+      </p:bgPr>
+    </p:bg>
     <p:spTree>
       <p:nvGrpSpPr>
         <p:cNvPr id="1" name=""/>
@@ -4075,7 +6531,7 @@
           <p:cNvPr id="2" name="Title 1">
             <a:extLst>
               <a:ext uri="{FF2B5EF4-FFF2-40B4-BE49-F238E27FC236}">
-                <a16:creationId xmlns:a16="http://schemas.microsoft.com/office/drawing/2014/main" id="{6041799A-7529-4C87-AFF7-A08C106A13B3}"/>
+                <a16:creationId xmlns:a16="http://schemas.microsoft.com/office/drawing/2014/main" id="{46AD85B3-717E-4DD4-8119-17314D5CD495}"/>
               </a:ext>
             </a:extLst>
           </p:cNvPr>
@@ -4084,6 +6540,209 @@
           </p:cNvSpPr>
           <p:nvPr>
             <p:ph type="title"/>
+          </p:nvPr>
+        </p:nvSpPr>
+        <p:spPr/>
+        <p:txBody>
+          <a:bodyPr anchor="ctr">
+            <a:normAutofit fontScale="90000"/>
+          </a:bodyPr>
+          <a:lstStyle/>
+          <a:p>
+            <a:r>
+              <a:rPr lang="en-US" sz="6000" dirty="0"/>
+              <a:t>How did we get the data</a:t>
+            </a:r>
+            <a:endParaRPr lang="en-AT" sz="6000" dirty="0"/>
+          </a:p>
+        </p:txBody>
+      </p:sp>
+      <p:sp>
+        <p:nvSpPr>
+          <p:cNvPr id="3" name="Content Placeholder 2">
+            <a:extLst>
+              <a:ext uri="{FF2B5EF4-FFF2-40B4-BE49-F238E27FC236}">
+                <a16:creationId xmlns:a16="http://schemas.microsoft.com/office/drawing/2014/main" id="{A427E458-97C0-4754-A65B-D3D3A5B096A9}"/>
+              </a:ext>
+            </a:extLst>
+          </p:cNvPr>
+          <p:cNvSpPr>
+            <a:spLocks noGrp="1"/>
+          </p:cNvSpPr>
+          <p:nvPr>
+            <p:ph idx="1"/>
+          </p:nvPr>
+        </p:nvSpPr>
+        <p:spPr/>
+        <p:txBody>
+          <a:bodyPr anchor="ctr">
+            <a:normAutofit/>
+          </a:bodyPr>
+          <a:lstStyle/>
+          <a:p>
+            <a:pPr>
+              <a:buFont typeface="Wingdings" panose="05000000000000000000" pitchFamily="2" charset="2"/>
+              <a:buChar char="§"/>
+            </a:pPr>
+            <a:r>
+              <a:rPr lang="en-US" sz="2000" dirty="0">
+                <a:solidFill>
+                  <a:schemeClr val="tx1">
+                    <a:alpha val="80000"/>
+                  </a:schemeClr>
+                </a:solidFill>
+              </a:rPr>
+              <a:t>First Attempt: Automatic Generation</a:t>
+            </a:r>
+          </a:p>
+          <a:p>
+            <a:pPr lvl="1">
+              <a:buFont typeface="Wingdings" panose="05000000000000000000" pitchFamily="2" charset="2"/>
+              <a:buChar char="§"/>
+            </a:pPr>
+            <a:r>
+              <a:rPr lang="en-US" sz="2000" dirty="0">
+                <a:solidFill>
+                  <a:schemeClr val="tx1">
+                    <a:alpha val="80000"/>
+                  </a:schemeClr>
+                </a:solidFill>
+              </a:rPr>
+              <a:t>Did not go well</a:t>
+            </a:r>
+          </a:p>
+          <a:p>
+            <a:pPr lvl="1">
+              <a:buFont typeface="Wingdings" panose="05000000000000000000" pitchFamily="2" charset="2"/>
+              <a:buChar char="§"/>
+            </a:pPr>
+            <a:r>
+              <a:rPr lang="en-US" sz="2000" dirty="0">
+                <a:solidFill>
+                  <a:schemeClr val="tx1">
+                    <a:alpha val="80000"/>
+                  </a:schemeClr>
+                </a:solidFill>
+              </a:rPr>
+              <a:t>Here’s an example: </a:t>
+            </a:r>
+            <a:r>
+              <a:rPr lang="en-US" sz="800" dirty="0">
+                <a:solidFill>
+                  <a:schemeClr val="tx1">
+                    <a:alpha val="80000"/>
+                  </a:schemeClr>
+                </a:solidFill>
+              </a:rPr>
+              <a:t>(sorry in advance)</a:t>
+            </a:r>
+          </a:p>
+          <a:p>
+            <a:pPr lvl="1">
+              <a:buFont typeface="Wingdings" panose="05000000000000000000" pitchFamily="2" charset="2"/>
+              <a:buChar char="§"/>
+            </a:pPr>
+            <a:endParaRPr lang="en-US" sz="2000" dirty="0">
+              <a:solidFill>
+                <a:schemeClr val="tx1">
+                  <a:alpha val="80000"/>
+                </a:schemeClr>
+              </a:solidFill>
+            </a:endParaRPr>
+          </a:p>
+          <a:p>
+            <a:pPr>
+              <a:buFont typeface="Wingdings" panose="05000000000000000000" pitchFamily="2" charset="2"/>
+              <a:buChar char="§"/>
+            </a:pPr>
+            <a:endParaRPr lang="en-US" sz="2000" dirty="0">
+              <a:solidFill>
+                <a:schemeClr val="tx1">
+                  <a:alpha val="80000"/>
+                </a:schemeClr>
+              </a:solidFill>
+            </a:endParaRPr>
+          </a:p>
+          <a:p>
+            <a:pPr>
+              <a:buFont typeface="Wingdings" panose="05000000000000000000" pitchFamily="2" charset="2"/>
+              <a:buChar char="§"/>
+            </a:pPr>
+            <a:r>
+              <a:rPr lang="en-US" sz="2000" dirty="0">
+                <a:solidFill>
+                  <a:schemeClr val="tx1">
+                    <a:alpha val="80000"/>
+                  </a:schemeClr>
+                </a:solidFill>
+              </a:rPr>
+              <a:t>Then: Gather manually created MIDI Files from the internet</a:t>
+            </a:r>
+          </a:p>
+          <a:p>
+            <a:pPr lvl="1">
+              <a:buFont typeface="Wingdings" panose="05000000000000000000" pitchFamily="2" charset="2"/>
+              <a:buChar char="§"/>
+            </a:pPr>
+            <a:r>
+              <a:rPr lang="en-US" sz="2000" dirty="0">
+                <a:solidFill>
+                  <a:schemeClr val="tx1">
+                    <a:alpha val="80000"/>
+                  </a:schemeClr>
+                </a:solidFill>
+              </a:rPr>
+              <a:t>Kaggle</a:t>
+            </a:r>
+          </a:p>
+          <a:p>
+            <a:pPr lvl="1">
+              <a:buFont typeface="Wingdings" panose="05000000000000000000" pitchFamily="2" charset="2"/>
+              <a:buChar char="§"/>
+            </a:pPr>
+            <a:r>
+              <a:rPr lang="en-US" sz="2000" dirty="0">
+                <a:solidFill>
+                  <a:schemeClr val="tx1">
+                    <a:alpha val="80000"/>
+                  </a:schemeClr>
+                </a:solidFill>
+              </a:rPr>
+              <a:t>Reddit</a:t>
+            </a:r>
+          </a:p>
+          <a:p>
+            <a:pPr lvl="1">
+              <a:buFont typeface="Wingdings" panose="05000000000000000000" pitchFamily="2" charset="2"/>
+              <a:buChar char="§"/>
+            </a:pPr>
+            <a:r>
+              <a:rPr lang="en-US" sz="2000" dirty="0">
+                <a:solidFill>
+                  <a:schemeClr val="tx1">
+                    <a:alpha val="80000"/>
+                  </a:schemeClr>
+                </a:solidFill>
+              </a:rPr>
+              <a:t>Midi forums</a:t>
+            </a:r>
+          </a:p>
+        </p:txBody>
+      </p:sp>
+      <p:sp>
+        <p:nvSpPr>
+          <p:cNvPr id="4" name="Text Placeholder 3">
+            <a:extLst>
+              <a:ext uri="{FF2B5EF4-FFF2-40B4-BE49-F238E27FC236}">
+                <a16:creationId xmlns:a16="http://schemas.microsoft.com/office/drawing/2014/main" id="{A49A3A2F-7E8B-4CE3-8137-ACBA6277D6F0}"/>
+              </a:ext>
+            </a:extLst>
+          </p:cNvPr>
+          <p:cNvSpPr>
+            <a:spLocks noGrp="1"/>
+          </p:cNvSpPr>
+          <p:nvPr>
+            <p:ph type="body" sz="half" idx="2"/>
           </p:nvPr>
         </p:nvSpPr>
         <p:spPr/>
@@ -4091,79 +6750,14 @@
           <a:bodyPr/>
           <a:lstStyle/>
           <a:p>
-            <a:r>
-              <a:rPr lang="en-US" dirty="0"/>
-              <a:t>How much data did we end up with?</a:t>
-            </a:r>
-            <a:endParaRPr lang="en-AT" dirty="0"/>
-          </a:p>
-        </p:txBody>
-      </p:sp>
-      <p:sp>
-        <p:nvSpPr>
-          <p:cNvPr id="3" name="Content Placeholder 2">
-            <a:extLst>
-              <a:ext uri="{FF2B5EF4-FFF2-40B4-BE49-F238E27FC236}">
-                <a16:creationId xmlns:a16="http://schemas.microsoft.com/office/drawing/2014/main" id="{ACEAC06A-53BD-405A-AEC7-468525FBC23E}"/>
-              </a:ext>
-            </a:extLst>
-          </p:cNvPr>
-          <p:cNvSpPr>
-            <a:spLocks noGrp="1"/>
-          </p:cNvSpPr>
-          <p:nvPr>
-            <p:ph idx="1"/>
-          </p:nvPr>
-        </p:nvSpPr>
-        <p:spPr/>
-        <p:txBody>
-          <a:bodyPr/>
-          <a:lstStyle/>
-          <a:p>
-            <a:r>
-              <a:rPr lang="en-US" dirty="0"/>
-              <a:t>100 MB of pure notes</a:t>
-            </a:r>
-          </a:p>
-          <a:p>
-            <a:r>
-              <a:rPr lang="en-US" dirty="0"/>
-              <a:t>Over 3 million individual notes</a:t>
-            </a:r>
-          </a:p>
-          <a:p>
-            <a:r>
-              <a:rPr lang="en-US" dirty="0"/>
-              <a:t>973 Songs</a:t>
-            </a:r>
-          </a:p>
-          <a:p>
-            <a:pPr lvl="1"/>
-            <a:r>
-              <a:rPr lang="en-US" dirty="0"/>
-              <a:t>488 Jazz songs</a:t>
-            </a:r>
-          </a:p>
-          <a:p>
-            <a:pPr lvl="1"/>
-            <a:r>
-              <a:rPr lang="en-US" dirty="0"/>
-              <a:t>310 classic</a:t>
-            </a:r>
-          </a:p>
-          <a:p>
-            <a:r>
-              <a:rPr lang="en-US" dirty="0"/>
-              <a:t>Limited 20 songs per genre for analysis</a:t>
-            </a:r>
-            <a:endParaRPr lang="en-AT" dirty="0"/>
+            <a:endParaRPr lang="de-AT"/>
           </a:p>
         </p:txBody>
       </p:sp>
     </p:spTree>
     <p:extLst>
       <p:ext uri="{BB962C8B-B14F-4D97-AF65-F5344CB8AC3E}">
-        <p14:creationId xmlns:p14="http://schemas.microsoft.com/office/powerpoint/2010/main" val="3140099815"/>
+        <p14:creationId xmlns:p14="http://schemas.microsoft.com/office/powerpoint/2010/main" val="3318566146"/>
       </p:ext>
     </p:extLst>
   </p:cSld>
@@ -4195,7 +6789,7 @@
           <p:cNvPr id="2" name="Title 1">
             <a:extLst>
               <a:ext uri="{FF2B5EF4-FFF2-40B4-BE49-F238E27FC236}">
-                <a16:creationId xmlns:a16="http://schemas.microsoft.com/office/drawing/2014/main" id="{2D1C2E93-14EF-43FA-B695-EEB0086236F1}"/>
+                <a16:creationId xmlns:a16="http://schemas.microsoft.com/office/drawing/2014/main" id="{6041799A-7529-4C87-AFF7-A08C106A13B3}"/>
               </a:ext>
             </a:extLst>
           </p:cNvPr>
@@ -4213,7 +6807,7 @@
           <a:p>
             <a:r>
               <a:rPr lang="en-US" dirty="0"/>
-              <a:t>Conversion</a:t>
+              <a:t>How much data did we end up with?</a:t>
             </a:r>
             <a:endParaRPr lang="en-AT" dirty="0"/>
           </a:p>
@@ -4224,67 +6818,222 @@
           <p:cNvPr id="3" name="Content Placeholder 2">
             <a:extLst>
               <a:ext uri="{FF2B5EF4-FFF2-40B4-BE49-F238E27FC236}">
-                <a16:creationId xmlns:a16="http://schemas.microsoft.com/office/drawing/2014/main" id="{21B4A6AD-D6D4-4159-8C84-65A84AC6F893}"/>
-              </a:ext>
-            </a:extLst>
-          </p:cNvPr>
-          <p:cNvSpPr>
-            <a:spLocks noGrp="1"/>
-          </p:cNvSpPr>
-          <p:nvPr>
-            <p:ph idx="1"/>
+                <a16:creationId xmlns:a16="http://schemas.microsoft.com/office/drawing/2014/main" id="{ACEAC06A-53BD-405A-AEC7-468525FBC23E}"/>
+              </a:ext>
+            </a:extLst>
+          </p:cNvPr>
+          <p:cNvSpPr>
+            <a:spLocks noGrp="1"/>
+          </p:cNvSpPr>
+          <p:nvPr>
+            <p:ph sz="half" idx="1"/>
           </p:nvPr>
         </p:nvSpPr>
         <p:spPr/>
         <p:txBody>
-          <a:bodyPr/>
+          <a:bodyPr>
+            <a:normAutofit lnSpcReduction="10000"/>
+          </a:bodyPr>
           <a:lstStyle/>
           <a:p>
+            <a:pPr>
+              <a:buFont typeface="Wingdings" panose="05000000000000000000" pitchFamily="2" charset="2"/>
+              <a:buChar char="§"/>
+            </a:pPr>
             <a:r>
               <a:rPr lang="en-US" dirty="0"/>
-              <a:t>Each MIDI file was converted into CSV format</a:t>
-            </a:r>
-          </a:p>
-          <a:p>
+              <a:t>200 MB of notes</a:t>
+            </a:r>
+          </a:p>
+          <a:p>
+            <a:pPr>
+              <a:buFont typeface="Wingdings" panose="05000000000000000000" pitchFamily="2" charset="2"/>
+              <a:buChar char="§"/>
+            </a:pPr>
+            <a:endParaRPr lang="en-US" dirty="0"/>
+          </a:p>
+          <a:p>
+            <a:pPr>
+              <a:buFont typeface="Wingdings" panose="05000000000000000000" pitchFamily="2" charset="2"/>
+              <a:buChar char="§"/>
+            </a:pPr>
             <a:r>
               <a:rPr lang="en-US" dirty="0"/>
-              <a:t>Using the python library music21(source)</a:t>
-            </a:r>
-          </a:p>
-          <a:p>
+              <a:t>Over 3 million individual notes</a:t>
+            </a:r>
+          </a:p>
+          <a:p>
+            <a:pPr>
+              <a:buFont typeface="Wingdings" panose="05000000000000000000" pitchFamily="2" charset="2"/>
+              <a:buChar char="§"/>
+            </a:pPr>
+            <a:endParaRPr lang="en-US" dirty="0"/>
+          </a:p>
+          <a:p>
+            <a:pPr>
+              <a:buFont typeface="Wingdings" panose="05000000000000000000" pitchFamily="2" charset="2"/>
+              <a:buChar char="§"/>
+            </a:pPr>
             <a:r>
               <a:rPr lang="en-US" dirty="0"/>
-              <a:t>Allowed us to extract information such as</a:t>
+              <a:t>More than 1.500 songs</a:t>
+            </a:r>
+          </a:p>
+          <a:p>
+            <a:pPr lvl="1">
+              <a:buFont typeface="Wingdings" panose="05000000000000000000" pitchFamily="2" charset="2"/>
+              <a:buChar char="§"/>
+            </a:pPr>
+            <a:r>
+              <a:rPr lang="en-US" dirty="0"/>
+              <a:t>~ 950 Jazz songs</a:t>
+            </a:r>
+          </a:p>
+          <a:p>
+            <a:pPr lvl="1">
+              <a:buFont typeface="Wingdings" panose="05000000000000000000" pitchFamily="2" charset="2"/>
+              <a:buChar char="§"/>
+            </a:pPr>
+            <a:r>
+              <a:rPr lang="en-US" dirty="0"/>
+              <a:t>~ 300 classical pieces</a:t>
             </a:r>
           </a:p>
           <a:p>
             <a:pPr lvl="1"/>
+            <a:endParaRPr lang="en-AT" dirty="0"/>
+          </a:p>
+        </p:txBody>
+      </p:sp>
+      <p:sp>
+        <p:nvSpPr>
+          <p:cNvPr id="4" name="Content Placeholder 3">
+            <a:extLst>
+              <a:ext uri="{FF2B5EF4-FFF2-40B4-BE49-F238E27FC236}">
+                <a16:creationId xmlns:a16="http://schemas.microsoft.com/office/drawing/2014/main" id="{ACCF380F-652F-4D86-B4B3-AB9677307FBE}"/>
+              </a:ext>
+            </a:extLst>
+          </p:cNvPr>
+          <p:cNvSpPr>
+            <a:spLocks noGrp="1"/>
+          </p:cNvSpPr>
+          <p:nvPr>
+            <p:ph sz="half" idx="2"/>
+          </p:nvPr>
+        </p:nvSpPr>
+        <p:spPr/>
+        <p:txBody>
+          <a:bodyPr>
+            <a:normAutofit lnSpcReduction="10000"/>
+          </a:bodyPr>
+          <a:lstStyle/>
+          <a:p>
+            <a:pPr>
+              <a:buFont typeface="Wingdings" panose="05000000000000000000" pitchFamily="2" charset="2"/>
+              <a:buChar char="§"/>
+            </a:pPr>
             <a:r>
               <a:rPr lang="en-US" dirty="0"/>
-              <a:t>Which Notes</a:t>
-            </a:r>
-          </a:p>
-          <a:p>
-            <a:pPr lvl="1"/>
-            <a:r>
-              <a:rPr lang="en-US" dirty="0"/>
-              <a:t>When were Notes played</a:t>
-            </a:r>
-          </a:p>
-          <a:p>
-            <a:pPr lvl="1"/>
-            <a:r>
-              <a:rPr lang="en-US" dirty="0"/>
-              <a:t>Length of Notes</a:t>
-            </a:r>
-            <a:endParaRPr lang="en-AT" dirty="0"/>
+              <a:t>Limited to 20 songs per genre for analysis</a:t>
+            </a:r>
+          </a:p>
+          <a:p>
+            <a:pPr lvl="1">
+              <a:buFont typeface="Wingdings" panose="05000000000000000000" pitchFamily="2" charset="2"/>
+              <a:buChar char="§"/>
+            </a:pPr>
+            <a:r>
+              <a:rPr lang="de-AT" dirty="0"/>
+              <a:t>Classic</a:t>
+            </a:r>
+          </a:p>
+          <a:p>
+            <a:pPr lvl="1">
+              <a:buFont typeface="Wingdings" panose="05000000000000000000" pitchFamily="2" charset="2"/>
+              <a:buChar char="§"/>
+            </a:pPr>
+            <a:r>
+              <a:rPr lang="de-AT" dirty="0"/>
+              <a:t>Electro</a:t>
+            </a:r>
+          </a:p>
+          <a:p>
+            <a:pPr lvl="1">
+              <a:buFont typeface="Wingdings" panose="05000000000000000000" pitchFamily="2" charset="2"/>
+              <a:buChar char="§"/>
+            </a:pPr>
+            <a:r>
+              <a:rPr lang="de-AT" dirty="0"/>
+              <a:t>Hip Hop</a:t>
+            </a:r>
+          </a:p>
+          <a:p>
+            <a:pPr lvl="1">
+              <a:buFont typeface="Wingdings" panose="05000000000000000000" pitchFamily="2" charset="2"/>
+              <a:buChar char="§"/>
+            </a:pPr>
+            <a:r>
+              <a:rPr lang="de-AT" dirty="0"/>
+              <a:t>J-Pop</a:t>
+            </a:r>
+          </a:p>
+          <a:p>
+            <a:pPr lvl="1">
+              <a:buFont typeface="Wingdings" panose="05000000000000000000" pitchFamily="2" charset="2"/>
+              <a:buChar char="§"/>
+            </a:pPr>
+            <a:r>
+              <a:rPr lang="de-AT" dirty="0"/>
+              <a:t>J-Rock</a:t>
+            </a:r>
+          </a:p>
+          <a:p>
+            <a:pPr lvl="1">
+              <a:buFont typeface="Wingdings" panose="05000000000000000000" pitchFamily="2" charset="2"/>
+              <a:buChar char="§"/>
+            </a:pPr>
+            <a:r>
+              <a:rPr lang="de-AT" dirty="0"/>
+              <a:t>Jazz</a:t>
+            </a:r>
+          </a:p>
+          <a:p>
+            <a:pPr lvl="1">
+              <a:buFont typeface="Wingdings" panose="05000000000000000000" pitchFamily="2" charset="2"/>
+              <a:buChar char="§"/>
+            </a:pPr>
+            <a:r>
+              <a:rPr lang="de-AT" dirty="0" err="1"/>
+              <a:t>Metal</a:t>
+            </a:r>
+            <a:endParaRPr lang="de-AT" dirty="0"/>
+          </a:p>
+          <a:p>
+            <a:pPr lvl="1">
+              <a:buFont typeface="Wingdings" panose="05000000000000000000" pitchFamily="2" charset="2"/>
+              <a:buChar char="§"/>
+            </a:pPr>
+            <a:r>
+              <a:rPr lang="de-AT" dirty="0"/>
+              <a:t>Pop</a:t>
+            </a:r>
+          </a:p>
+          <a:p>
+            <a:pPr lvl="1">
+              <a:buFont typeface="Wingdings" panose="05000000000000000000" pitchFamily="2" charset="2"/>
+              <a:buChar char="§"/>
+            </a:pPr>
+            <a:r>
+              <a:rPr lang="de-AT" dirty="0"/>
+              <a:t>Rock</a:t>
+            </a:r>
           </a:p>
         </p:txBody>
       </p:sp>
     </p:spTree>
     <p:extLst>
       <p:ext uri="{BB962C8B-B14F-4D97-AF65-F5344CB8AC3E}">
-        <p14:creationId xmlns:p14="http://schemas.microsoft.com/office/powerpoint/2010/main" val="3226608598"/>
+        <p14:creationId xmlns:p14="http://schemas.microsoft.com/office/powerpoint/2010/main" val="3140099815"/>
       </p:ext>
     </p:extLst>
   </p:cSld>
@@ -4316,7 +7065,7 @@
           <p:cNvPr id="2" name="Title 1">
             <a:extLst>
               <a:ext uri="{FF2B5EF4-FFF2-40B4-BE49-F238E27FC236}">
-                <a16:creationId xmlns:a16="http://schemas.microsoft.com/office/drawing/2014/main" id="{856B0BB4-90A4-4B31-A440-3D14236C6A2A}"/>
+                <a16:creationId xmlns:a16="http://schemas.microsoft.com/office/drawing/2014/main" id="{2D1C2E93-14EF-43FA-B695-EEB0086236F1}"/>
               </a:ext>
             </a:extLst>
           </p:cNvPr>
@@ -4334,7 +7083,7 @@
           <a:p>
             <a:r>
               <a:rPr lang="en-US" dirty="0"/>
-              <a:t>Merging</a:t>
+              <a:t>Conversion</a:t>
             </a:r>
             <a:endParaRPr lang="en-AT" dirty="0"/>
           </a:p>
@@ -4345,7 +7094,7 @@
           <p:cNvPr id="3" name="Content Placeholder 2">
             <a:extLst>
               <a:ext uri="{FF2B5EF4-FFF2-40B4-BE49-F238E27FC236}">
-                <a16:creationId xmlns:a16="http://schemas.microsoft.com/office/drawing/2014/main" id="{B31F496C-08B4-4D43-B6D0-C2628F53D8D3}"/>
+                <a16:creationId xmlns:a16="http://schemas.microsoft.com/office/drawing/2014/main" id="{21B4A6AD-D6D4-4159-8C84-65A84AC6F893}"/>
               </a:ext>
             </a:extLst>
           </p:cNvPr>
@@ -4363,49 +7112,40 @@
           <a:p>
             <a:r>
               <a:rPr lang="en-US" dirty="0"/>
-              <a:t>For analyzing multiple songs at once we needed to merge them into a single file</a:t>
+              <a:t>Each MIDI file was converted into CSV format</a:t>
             </a:r>
           </a:p>
           <a:p>
             <a:r>
               <a:rPr lang="en-US" dirty="0"/>
-              <a:t>In addition, during this process several relevant features are added:</a:t>
+              <a:t>Using the python library music21(source)</a:t>
+            </a:r>
+          </a:p>
+          <a:p>
+            <a:r>
+              <a:rPr lang="en-US" dirty="0"/>
+              <a:t>Allowed us to extract information such as</a:t>
             </a:r>
           </a:p>
           <a:p>
             <a:pPr lvl="1"/>
             <a:r>
               <a:rPr lang="en-US" dirty="0"/>
-              <a:t>Case ID</a:t>
+              <a:t>Which Notes</a:t>
             </a:r>
           </a:p>
           <a:p>
             <a:pPr lvl="1"/>
             <a:r>
               <a:rPr lang="en-US" dirty="0"/>
-              <a:t>Octave and Degree(</a:t>
-            </a:r>
-            <a:r>
-              <a:rPr lang="en-US" dirty="0" err="1"/>
-              <a:t>Tonstufe</a:t>
-            </a:r>
+              <a:t>When were Notes played</a:t>
+            </a:r>
+          </a:p>
+          <a:p>
+            <a:pPr lvl="1"/>
             <a:r>
               <a:rPr lang="en-US" dirty="0"/>
-              <a:t>)</a:t>
-            </a:r>
-          </a:p>
-          <a:p>
-            <a:pPr lvl="1"/>
-            <a:r>
-              <a:rPr lang="en-US" dirty="0"/>
-              <a:t>Genre</a:t>
-            </a:r>
-          </a:p>
-          <a:p>
-            <a:pPr lvl="1"/>
-            <a:r>
-              <a:rPr lang="en-US" dirty="0"/>
-              <a:t>Song name</a:t>
+              <a:t>Length of Notes</a:t>
             </a:r>
             <a:endParaRPr lang="en-AT" dirty="0"/>
           </a:p>
@@ -4414,7 +7154,7 @@
     </p:spTree>
     <p:extLst>
       <p:ext uri="{BB962C8B-B14F-4D97-AF65-F5344CB8AC3E}">
-        <p14:creationId xmlns:p14="http://schemas.microsoft.com/office/powerpoint/2010/main" val="2752518326"/>
+        <p14:creationId xmlns:p14="http://schemas.microsoft.com/office/powerpoint/2010/main" val="3226608598"/>
       </p:ext>
     </p:extLst>
   </p:cSld>
@@ -4446,7 +7186,7 @@
           <p:cNvPr id="2" name="Title 1">
             <a:extLst>
               <a:ext uri="{FF2B5EF4-FFF2-40B4-BE49-F238E27FC236}">
-                <a16:creationId xmlns:a16="http://schemas.microsoft.com/office/drawing/2014/main" id="{155A19FB-5D4D-41FA-B22C-9CB0B99D5006}"/>
+                <a16:creationId xmlns:a16="http://schemas.microsoft.com/office/drawing/2014/main" id="{856B0BB4-90A4-4B31-A440-3D14236C6A2A}"/>
               </a:ext>
             </a:extLst>
           </p:cNvPr>
@@ -4464,7 +7204,7 @@
           <a:p>
             <a:r>
               <a:rPr lang="en-US" dirty="0"/>
-              <a:t>How did we analyze the data?</a:t>
+              <a:t>Merging</a:t>
             </a:r>
             <a:endParaRPr lang="en-AT" dirty="0"/>
           </a:p>
@@ -4475,7 +7215,7 @@
           <p:cNvPr id="3" name="Content Placeholder 2">
             <a:extLst>
               <a:ext uri="{FF2B5EF4-FFF2-40B4-BE49-F238E27FC236}">
-                <a16:creationId xmlns:a16="http://schemas.microsoft.com/office/drawing/2014/main" id="{88F8A8E9-D7E6-4697-A09F-7303BA102A8C}"/>
+                <a16:creationId xmlns:a16="http://schemas.microsoft.com/office/drawing/2014/main" id="{B31F496C-08B4-4D43-B6D0-C2628F53D8D3}"/>
               </a:ext>
             </a:extLst>
           </p:cNvPr>
@@ -4493,25 +7233,49 @@
           <a:p>
             <a:r>
               <a:rPr lang="en-US" dirty="0"/>
-              <a:t>A lot of techniques were impossible to apply to our data set</a:t>
+              <a:t>For analyzing multiple songs at once we needed to merge them into a single file</a:t>
             </a:r>
           </a:p>
           <a:p>
             <a:r>
               <a:rPr lang="en-US" dirty="0"/>
-              <a:t>Dotted charts are give a lot of information for traces with 5-10 events</a:t>
-            </a:r>
-          </a:p>
-          <a:p>
+              <a:t>In addition, during this process several relevant features are added:</a:t>
+            </a:r>
+          </a:p>
+          <a:p>
+            <a:pPr lvl="1"/>
             <a:r>
               <a:rPr lang="en-US" dirty="0"/>
-              <a:t>In our data set traces contain upwards of 1000 events</a:t>
-            </a:r>
-          </a:p>
-          <a:p>
+              <a:t>Case ID</a:t>
+            </a:r>
+          </a:p>
+          <a:p>
+            <a:pPr lvl="1"/>
             <a:r>
               <a:rPr lang="en-US" dirty="0"/>
-              <a:t>DFG gives a good overview of popular notes and how they are connected</a:t>
+              <a:t>Octave and Degree(</a:t>
+            </a:r>
+            <a:r>
+              <a:rPr lang="en-US" dirty="0" err="1"/>
+              <a:t>Tonstufe</a:t>
+            </a:r>
+            <a:r>
+              <a:rPr lang="en-US" dirty="0"/>
+              <a:t>)</a:t>
+            </a:r>
+          </a:p>
+          <a:p>
+            <a:pPr lvl="1"/>
+            <a:r>
+              <a:rPr lang="en-US" dirty="0"/>
+              <a:t>Genre</a:t>
+            </a:r>
+          </a:p>
+          <a:p>
+            <a:pPr lvl="1"/>
+            <a:r>
+              <a:rPr lang="en-US" dirty="0"/>
+              <a:t>Song name</a:t>
             </a:r>
             <a:endParaRPr lang="en-AT" dirty="0"/>
           </a:p>
@@ -4520,7 +7284,7 @@
     </p:spTree>
     <p:extLst>
       <p:ext uri="{BB962C8B-B14F-4D97-AF65-F5344CB8AC3E}">
-        <p14:creationId xmlns:p14="http://schemas.microsoft.com/office/powerpoint/2010/main" val="705422447"/>
+        <p14:creationId xmlns:p14="http://schemas.microsoft.com/office/powerpoint/2010/main" val="2752518326"/>
       </p:ext>
     </p:extLst>
   </p:cSld>
@@ -4552,7 +7316,7 @@
           <p:cNvPr id="2" name="Title 1">
             <a:extLst>
               <a:ext uri="{FF2B5EF4-FFF2-40B4-BE49-F238E27FC236}">
-                <a16:creationId xmlns:a16="http://schemas.microsoft.com/office/drawing/2014/main" id="{956437B0-9521-4845-AB30-C6842A17A6DC}"/>
+                <a16:creationId xmlns:a16="http://schemas.microsoft.com/office/drawing/2014/main" id="{155A19FB-5D4D-41FA-B22C-9CB0B99D5006}"/>
               </a:ext>
             </a:extLst>
           </p:cNvPr>
@@ -4570,7 +7334,7 @@
           <a:p>
             <a:r>
               <a:rPr lang="en-US" dirty="0"/>
-              <a:t>Hip-Hop/Electro</a:t>
+              <a:t>How did we analyze the data?</a:t>
             </a:r>
             <a:endParaRPr lang="en-AT" dirty="0"/>
           </a:p>
@@ -4581,7 +7345,7 @@
           <p:cNvPr id="3" name="Content Placeholder 2">
             <a:extLst>
               <a:ext uri="{FF2B5EF4-FFF2-40B4-BE49-F238E27FC236}">
-                <a16:creationId xmlns:a16="http://schemas.microsoft.com/office/drawing/2014/main" id="{6E9EA587-D840-418A-9ACE-0D65B4F23994}"/>
+                <a16:creationId xmlns:a16="http://schemas.microsoft.com/office/drawing/2014/main" id="{88F8A8E9-D7E6-4697-A09F-7303BA102A8C}"/>
               </a:ext>
             </a:extLst>
           </p:cNvPr>
@@ -4598,32 +7362,26 @@
           <a:lstStyle/>
           <a:p>
             <a:r>
-              <a:rPr lang="en-US" dirty="0" err="1"/>
-              <a:t>Hier</a:t>
-            </a:r>
-            <a:r>
               <a:rPr lang="en-US" dirty="0"/>
-              <a:t> </a:t>
-            </a:r>
-            <a:r>
-              <a:rPr lang="en-US" dirty="0" err="1"/>
-              <a:t>könnte</a:t>
-            </a:r>
+              <a:t>A lot of techniques were impossible to apply to our data set</a:t>
+            </a:r>
+          </a:p>
+          <a:p>
             <a:r>
               <a:rPr lang="en-US" dirty="0"/>
-              <a:t> </a:t>
-            </a:r>
-            <a:r>
-              <a:rPr lang="en-US" dirty="0" err="1"/>
-              <a:t>Ihr</a:t>
-            </a:r>
+              <a:t>Dotted charts are give a lot of information for traces with 5-10 events</a:t>
+            </a:r>
+          </a:p>
+          <a:p>
             <a:r>
               <a:rPr lang="en-US" dirty="0"/>
-              <a:t> DFG </a:t>
-            </a:r>
-            <a:r>
-              <a:rPr lang="en-US" dirty="0" err="1"/>
-              <a:t>stehen</a:t>
+              <a:t>In our data set traces contain upwards of 1000 events</a:t>
+            </a:r>
+          </a:p>
+          <a:p>
+            <a:r>
+              <a:rPr lang="en-US" dirty="0"/>
+              <a:t>DFG gives a good overview of popular notes and how they are connected</a:t>
             </a:r>
             <a:endParaRPr lang="en-AT" dirty="0"/>
           </a:p>
@@ -4632,7 +7390,7 @@
     </p:spTree>
     <p:extLst>
       <p:ext uri="{BB962C8B-B14F-4D97-AF65-F5344CB8AC3E}">
-        <p14:creationId xmlns:p14="http://schemas.microsoft.com/office/powerpoint/2010/main" val="3287765823"/>
+        <p14:creationId xmlns:p14="http://schemas.microsoft.com/office/powerpoint/2010/main" val="705422447"/>
       </p:ext>
     </p:extLst>
   </p:cSld>
